--- a/presentation/PräsentationMuster.pptx
+++ b/presentation/PräsentationMuster.pptx
@@ -5,23 +5,29 @@
     <p:sldMasterId id="2147483660" r:id="rId1"/>
   </p:sldMasterIdLst>
   <p:notesMasterIdLst>
-    <p:notesMasterId r:id="rId16"/>
+    <p:notesMasterId r:id="rId22"/>
   </p:notesMasterIdLst>
   <p:sldIdLst>
     <p:sldId id="256" r:id="rId2"/>
     <p:sldId id="257" r:id="rId3"/>
     <p:sldId id="259" r:id="rId4"/>
     <p:sldId id="260" r:id="rId5"/>
-    <p:sldId id="261" r:id="rId6"/>
-    <p:sldId id="262" r:id="rId7"/>
-    <p:sldId id="263" r:id="rId8"/>
-    <p:sldId id="265" r:id="rId9"/>
-    <p:sldId id="264" r:id="rId10"/>
-    <p:sldId id="266" r:id="rId11"/>
-    <p:sldId id="268" r:id="rId12"/>
-    <p:sldId id="267" r:id="rId13"/>
-    <p:sldId id="258" r:id="rId14"/>
-    <p:sldId id="269" r:id="rId15"/>
+    <p:sldId id="273" r:id="rId6"/>
+    <p:sldId id="270" r:id="rId7"/>
+    <p:sldId id="261" r:id="rId8"/>
+    <p:sldId id="262" r:id="rId9"/>
+    <p:sldId id="272" r:id="rId10"/>
+    <p:sldId id="271" r:id="rId11"/>
+    <p:sldId id="274" r:id="rId12"/>
+    <p:sldId id="263" r:id="rId13"/>
+    <p:sldId id="275" r:id="rId14"/>
+    <p:sldId id="264" r:id="rId15"/>
+    <p:sldId id="265" r:id="rId16"/>
+    <p:sldId id="266" r:id="rId17"/>
+    <p:sldId id="268" r:id="rId18"/>
+    <p:sldId id="267" r:id="rId19"/>
+    <p:sldId id="258" r:id="rId20"/>
+    <p:sldId id="269" r:id="rId21"/>
   </p:sldIdLst>
   <p:sldSz cx="9144000" cy="6858000" type="screen4x3"/>
   <p:notesSz cx="6858000" cy="9144000"/>
@@ -120,6 +126,11 @@
       </a:defRPr>
     </a:lvl9pPr>
   </p:defaultTextStyle>
+  <p:extLst>
+    <p:ext uri="{EFAFB233-063F-42B5-8137-9DF3F51BA10A}">
+      <p15:sldGuideLst xmlns:p15="http://schemas.microsoft.com/office/powerpoint/2012/main"/>
+    </p:ext>
+  </p:extLst>
 </p:presentation>
 </file>
 
@@ -205,7 +216,7 @@
           <a:p>
             <a:fld id="{B494AEA2-32F4-844C-91D5-23DD8EB868A5}" type="datetimeFigureOut">
               <a:rPr lang="de-DE" smtClean="0"/>
-              <a:t>09.06.18</a:t>
+              <a:t>12.06.18</a:t>
             </a:fld>
             <a:endParaRPr lang="de-DE"/>
           </a:p>
@@ -573,6 +584,606 @@
 </p:notes>
 </file>
 
+<file path=ppt/notesSlides/notesSlide10.xml><?xml version="1.0" encoding="utf-8"?>
+<p:notes xmlns:a="http://schemas.openxmlformats.org/drawingml/2006/main" xmlns:r="http://schemas.openxmlformats.org/officeDocument/2006/relationships" xmlns:p="http://schemas.openxmlformats.org/presentationml/2006/main">
+  <p:cSld>
+    <p:spTree>
+      <p:nvGrpSpPr>
+        <p:cNvPr id="1" name=""/>
+        <p:cNvGrpSpPr/>
+        <p:nvPr/>
+      </p:nvGrpSpPr>
+      <p:grpSpPr>
+        <a:xfrm>
+          <a:off x="0" y="0"/>
+          <a:ext cx="0" cy="0"/>
+          <a:chOff x="0" y="0"/>
+          <a:chExt cx="0" cy="0"/>
+        </a:xfrm>
+      </p:grpSpPr>
+      <p:sp>
+        <p:nvSpPr>
+          <p:cNvPr id="2" name="Folienbildplatzhalter 1"/>
+          <p:cNvSpPr>
+            <a:spLocks noGrp="1" noRot="1" noChangeAspect="1"/>
+          </p:cNvSpPr>
+          <p:nvPr>
+            <p:ph type="sldImg"/>
+          </p:nvPr>
+        </p:nvSpPr>
+        <p:spPr/>
+      </p:sp>
+      <p:sp>
+        <p:nvSpPr>
+          <p:cNvPr id="3" name="Notizenplatzhalter 2"/>
+          <p:cNvSpPr>
+            <a:spLocks noGrp="1"/>
+          </p:cNvSpPr>
+          <p:nvPr>
+            <p:ph type="body" idx="1"/>
+          </p:nvPr>
+        </p:nvSpPr>
+        <p:spPr/>
+        <p:txBody>
+          <a:bodyPr/>
+          <a:lstStyle/>
+          <a:p>
+            <a:r>
+              <a:rPr lang="de-DE" dirty="0" smtClean="0"/>
+              <a:t>-&gt;</a:t>
+            </a:r>
+            <a:r>
+              <a:rPr lang="de-DE" baseline="0" dirty="0" smtClean="0"/>
+              <a:t> </a:t>
+            </a:r>
+            <a:r>
+              <a:rPr lang="de-DE" dirty="0" smtClean="0"/>
+              <a:t>Tafelbild </a:t>
+            </a:r>
+            <a:r>
+              <a:rPr lang="de-DE" dirty="0" err="1" smtClean="0"/>
+              <a:t>Trajektoren</a:t>
+            </a:r>
+            <a:endParaRPr lang="de-DE" dirty="0"/>
+          </a:p>
+        </p:txBody>
+      </p:sp>
+      <p:sp>
+        <p:nvSpPr>
+          <p:cNvPr id="4" name="Foliennummernplatzhalter 3"/>
+          <p:cNvSpPr>
+            <a:spLocks noGrp="1"/>
+          </p:cNvSpPr>
+          <p:nvPr>
+            <p:ph type="sldNum" sz="quarter" idx="10"/>
+          </p:nvPr>
+        </p:nvSpPr>
+        <p:spPr/>
+        <p:txBody>
+          <a:bodyPr/>
+          <a:lstStyle/>
+          <a:p>
+            <a:fld id="{CC6E5A69-5468-984A-81BB-608CF751A643}" type="slidenum">
+              <a:rPr lang="de-DE" smtClean="0"/>
+              <a:t>12</a:t>
+            </a:fld>
+            <a:endParaRPr lang="de-DE"/>
+          </a:p>
+        </p:txBody>
+      </p:sp>
+    </p:spTree>
+    <p:extLst>
+      <p:ext uri="{BB962C8B-B14F-4D97-AF65-F5344CB8AC3E}">
+        <p14:creationId xmlns:p14="http://schemas.microsoft.com/office/powerpoint/2010/main" val="1739567908"/>
+      </p:ext>
+    </p:extLst>
+  </p:cSld>
+  <p:clrMapOvr>
+    <a:masterClrMapping/>
+  </p:clrMapOvr>
+</p:notes>
+</file>
+
+<file path=ppt/notesSlides/notesSlide11.xml><?xml version="1.0" encoding="utf-8"?>
+<p:notes xmlns:a="http://schemas.openxmlformats.org/drawingml/2006/main" xmlns:r="http://schemas.openxmlformats.org/officeDocument/2006/relationships" xmlns:p="http://schemas.openxmlformats.org/presentationml/2006/main">
+  <p:cSld>
+    <p:spTree>
+      <p:nvGrpSpPr>
+        <p:cNvPr id="1" name=""/>
+        <p:cNvGrpSpPr/>
+        <p:nvPr/>
+      </p:nvGrpSpPr>
+      <p:grpSpPr>
+        <a:xfrm>
+          <a:off x="0" y="0"/>
+          <a:ext cx="0" cy="0"/>
+          <a:chOff x="0" y="0"/>
+          <a:chExt cx="0" cy="0"/>
+        </a:xfrm>
+      </p:grpSpPr>
+      <p:sp>
+        <p:nvSpPr>
+          <p:cNvPr id="2" name="Folienbildplatzhalter 1"/>
+          <p:cNvSpPr>
+            <a:spLocks noGrp="1" noRot="1" noChangeAspect="1"/>
+          </p:cNvSpPr>
+          <p:nvPr>
+            <p:ph type="sldImg"/>
+          </p:nvPr>
+        </p:nvSpPr>
+        <p:spPr/>
+      </p:sp>
+      <p:sp>
+        <p:nvSpPr>
+          <p:cNvPr id="3" name="Notizenplatzhalter 2"/>
+          <p:cNvSpPr>
+            <a:spLocks noGrp="1"/>
+          </p:cNvSpPr>
+          <p:nvPr>
+            <p:ph type="body" idx="1"/>
+          </p:nvPr>
+        </p:nvSpPr>
+        <p:spPr/>
+        <p:txBody>
+          <a:bodyPr/>
+          <a:lstStyle/>
+          <a:p>
+            <a:r>
+              <a:rPr lang="de-DE" dirty="0" smtClean="0"/>
+              <a:t>-&gt;</a:t>
+            </a:r>
+            <a:r>
+              <a:rPr lang="de-DE" baseline="0" dirty="0" smtClean="0"/>
+              <a:t> </a:t>
+            </a:r>
+            <a:r>
+              <a:rPr lang="de-DE" dirty="0" smtClean="0"/>
+              <a:t>Tafelbild </a:t>
+            </a:r>
+            <a:r>
+              <a:rPr lang="de-DE" dirty="0" err="1" smtClean="0"/>
+              <a:t>Trajektoren</a:t>
+            </a:r>
+            <a:endParaRPr lang="de-DE" dirty="0"/>
+          </a:p>
+        </p:txBody>
+      </p:sp>
+      <p:sp>
+        <p:nvSpPr>
+          <p:cNvPr id="4" name="Foliennummernplatzhalter 3"/>
+          <p:cNvSpPr>
+            <a:spLocks noGrp="1"/>
+          </p:cNvSpPr>
+          <p:nvPr>
+            <p:ph type="sldNum" sz="quarter" idx="10"/>
+          </p:nvPr>
+        </p:nvSpPr>
+        <p:spPr/>
+        <p:txBody>
+          <a:bodyPr/>
+          <a:lstStyle/>
+          <a:p>
+            <a:fld id="{CC6E5A69-5468-984A-81BB-608CF751A643}" type="slidenum">
+              <a:rPr lang="de-DE" smtClean="0"/>
+              <a:t>13</a:t>
+            </a:fld>
+            <a:endParaRPr lang="de-DE"/>
+          </a:p>
+        </p:txBody>
+      </p:sp>
+    </p:spTree>
+    <p:extLst>
+      <p:ext uri="{BB962C8B-B14F-4D97-AF65-F5344CB8AC3E}">
+        <p14:creationId xmlns:p14="http://schemas.microsoft.com/office/powerpoint/2010/main" val="1603166071"/>
+      </p:ext>
+    </p:extLst>
+  </p:cSld>
+  <p:clrMapOvr>
+    <a:masterClrMapping/>
+  </p:clrMapOvr>
+</p:notes>
+</file>
+
+<file path=ppt/notesSlides/notesSlide12.xml><?xml version="1.0" encoding="utf-8"?>
+<p:notes xmlns:a="http://schemas.openxmlformats.org/drawingml/2006/main" xmlns:r="http://schemas.openxmlformats.org/officeDocument/2006/relationships" xmlns:p="http://schemas.openxmlformats.org/presentationml/2006/main">
+  <p:cSld>
+    <p:spTree>
+      <p:nvGrpSpPr>
+        <p:cNvPr id="1" name=""/>
+        <p:cNvGrpSpPr/>
+        <p:nvPr/>
+      </p:nvGrpSpPr>
+      <p:grpSpPr>
+        <a:xfrm>
+          <a:off x="0" y="0"/>
+          <a:ext cx="0" cy="0"/>
+          <a:chOff x="0" y="0"/>
+          <a:chExt cx="0" cy="0"/>
+        </a:xfrm>
+      </p:grpSpPr>
+      <p:sp>
+        <p:nvSpPr>
+          <p:cNvPr id="2" name="Folienbildplatzhalter 1"/>
+          <p:cNvSpPr>
+            <a:spLocks noGrp="1" noRot="1" noChangeAspect="1"/>
+          </p:cNvSpPr>
+          <p:nvPr>
+            <p:ph type="sldImg"/>
+          </p:nvPr>
+        </p:nvSpPr>
+        <p:spPr/>
+      </p:sp>
+      <p:sp>
+        <p:nvSpPr>
+          <p:cNvPr id="3" name="Notizenplatzhalter 2"/>
+          <p:cNvSpPr>
+            <a:spLocks noGrp="1"/>
+          </p:cNvSpPr>
+          <p:nvPr>
+            <p:ph type="body" idx="1"/>
+          </p:nvPr>
+        </p:nvSpPr>
+        <p:spPr/>
+        <p:txBody>
+          <a:bodyPr/>
+          <a:lstStyle/>
+          <a:p>
+            <a:r>
+              <a:rPr lang="de-DE" dirty="0" smtClean="0"/>
+              <a:t>-&gt;</a:t>
+            </a:r>
+            <a:r>
+              <a:rPr lang="de-DE" baseline="0" dirty="0" smtClean="0"/>
+              <a:t> </a:t>
+            </a:r>
+            <a:r>
+              <a:rPr lang="de-DE" dirty="0" smtClean="0"/>
+              <a:t>Tafelbild </a:t>
+            </a:r>
+            <a:r>
+              <a:rPr lang="de-DE" dirty="0" err="1" smtClean="0"/>
+              <a:t>Trajektoren</a:t>
+            </a:r>
+            <a:endParaRPr lang="de-DE" dirty="0"/>
+          </a:p>
+        </p:txBody>
+      </p:sp>
+      <p:sp>
+        <p:nvSpPr>
+          <p:cNvPr id="4" name="Foliennummernplatzhalter 3"/>
+          <p:cNvSpPr>
+            <a:spLocks noGrp="1"/>
+          </p:cNvSpPr>
+          <p:nvPr>
+            <p:ph type="sldNum" sz="quarter" idx="10"/>
+          </p:nvPr>
+        </p:nvSpPr>
+        <p:spPr/>
+        <p:txBody>
+          <a:bodyPr/>
+          <a:lstStyle/>
+          <a:p>
+            <a:fld id="{CC6E5A69-5468-984A-81BB-608CF751A643}" type="slidenum">
+              <a:rPr lang="de-DE" smtClean="0"/>
+              <a:t>14</a:t>
+            </a:fld>
+            <a:endParaRPr lang="de-DE"/>
+          </a:p>
+        </p:txBody>
+      </p:sp>
+    </p:spTree>
+    <p:extLst>
+      <p:ext uri="{BB962C8B-B14F-4D97-AF65-F5344CB8AC3E}">
+        <p14:creationId xmlns:p14="http://schemas.microsoft.com/office/powerpoint/2010/main" val="1788427782"/>
+      </p:ext>
+    </p:extLst>
+  </p:cSld>
+  <p:clrMapOvr>
+    <a:masterClrMapping/>
+  </p:clrMapOvr>
+</p:notes>
+</file>
+
+<file path=ppt/notesSlides/notesSlide13.xml><?xml version="1.0" encoding="utf-8"?>
+<p:notes xmlns:a="http://schemas.openxmlformats.org/drawingml/2006/main" xmlns:r="http://schemas.openxmlformats.org/officeDocument/2006/relationships" xmlns:p="http://schemas.openxmlformats.org/presentationml/2006/main">
+  <p:cSld>
+    <p:spTree>
+      <p:nvGrpSpPr>
+        <p:cNvPr id="1" name=""/>
+        <p:cNvGrpSpPr/>
+        <p:nvPr/>
+      </p:nvGrpSpPr>
+      <p:grpSpPr>
+        <a:xfrm>
+          <a:off x="0" y="0"/>
+          <a:ext cx="0" cy="0"/>
+          <a:chOff x="0" y="0"/>
+          <a:chExt cx="0" cy="0"/>
+        </a:xfrm>
+      </p:grpSpPr>
+      <p:sp>
+        <p:nvSpPr>
+          <p:cNvPr id="2" name="Folienbildplatzhalter 1"/>
+          <p:cNvSpPr>
+            <a:spLocks noGrp="1" noRot="1" noChangeAspect="1"/>
+          </p:cNvSpPr>
+          <p:nvPr>
+            <p:ph type="sldImg"/>
+          </p:nvPr>
+        </p:nvSpPr>
+        <p:spPr/>
+      </p:sp>
+      <p:sp>
+        <p:nvSpPr>
+          <p:cNvPr id="3" name="Notizenplatzhalter 2"/>
+          <p:cNvSpPr>
+            <a:spLocks noGrp="1"/>
+          </p:cNvSpPr>
+          <p:nvPr>
+            <p:ph type="body" idx="1"/>
+          </p:nvPr>
+        </p:nvSpPr>
+        <p:spPr/>
+        <p:txBody>
+          <a:bodyPr/>
+          <a:lstStyle/>
+          <a:p>
+            <a:r>
+              <a:rPr lang="de-DE" dirty="0" smtClean="0"/>
+              <a:t>-&gt;</a:t>
+            </a:r>
+            <a:r>
+              <a:rPr lang="de-DE" baseline="0" dirty="0" smtClean="0"/>
+              <a:t> </a:t>
+            </a:r>
+            <a:r>
+              <a:rPr lang="de-DE" dirty="0" smtClean="0"/>
+              <a:t>Tafelbild </a:t>
+            </a:r>
+            <a:r>
+              <a:rPr lang="de-DE" dirty="0" err="1" smtClean="0"/>
+              <a:t>Trajektoren</a:t>
+            </a:r>
+            <a:endParaRPr lang="de-DE" dirty="0"/>
+          </a:p>
+        </p:txBody>
+      </p:sp>
+      <p:sp>
+        <p:nvSpPr>
+          <p:cNvPr id="4" name="Foliennummernplatzhalter 3"/>
+          <p:cNvSpPr>
+            <a:spLocks noGrp="1"/>
+          </p:cNvSpPr>
+          <p:nvPr>
+            <p:ph type="sldNum" sz="quarter" idx="10"/>
+          </p:nvPr>
+        </p:nvSpPr>
+        <p:spPr/>
+        <p:txBody>
+          <a:bodyPr/>
+          <a:lstStyle/>
+          <a:p>
+            <a:fld id="{CC6E5A69-5468-984A-81BB-608CF751A643}" type="slidenum">
+              <a:rPr lang="de-DE" smtClean="0"/>
+              <a:t>15</a:t>
+            </a:fld>
+            <a:endParaRPr lang="de-DE"/>
+          </a:p>
+        </p:txBody>
+      </p:sp>
+    </p:spTree>
+    <p:extLst>
+      <p:ext uri="{BB962C8B-B14F-4D97-AF65-F5344CB8AC3E}">
+        <p14:creationId xmlns:p14="http://schemas.microsoft.com/office/powerpoint/2010/main" val="882495878"/>
+      </p:ext>
+    </p:extLst>
+  </p:cSld>
+  <p:clrMapOvr>
+    <a:masterClrMapping/>
+  </p:clrMapOvr>
+</p:notes>
+</file>
+
+<file path=ppt/notesSlides/notesSlide14.xml><?xml version="1.0" encoding="utf-8"?>
+<p:notes xmlns:a="http://schemas.openxmlformats.org/drawingml/2006/main" xmlns:r="http://schemas.openxmlformats.org/officeDocument/2006/relationships" xmlns:p="http://schemas.openxmlformats.org/presentationml/2006/main">
+  <p:cSld>
+    <p:spTree>
+      <p:nvGrpSpPr>
+        <p:cNvPr id="1" name=""/>
+        <p:cNvGrpSpPr/>
+        <p:nvPr/>
+      </p:nvGrpSpPr>
+      <p:grpSpPr>
+        <a:xfrm>
+          <a:off x="0" y="0"/>
+          <a:ext cx="0" cy="0"/>
+          <a:chOff x="0" y="0"/>
+          <a:chExt cx="0" cy="0"/>
+        </a:xfrm>
+      </p:grpSpPr>
+      <p:sp>
+        <p:nvSpPr>
+          <p:cNvPr id="2" name="Folienbildplatzhalter 1"/>
+          <p:cNvSpPr>
+            <a:spLocks noGrp="1" noRot="1" noChangeAspect="1"/>
+          </p:cNvSpPr>
+          <p:nvPr>
+            <p:ph type="sldImg"/>
+          </p:nvPr>
+        </p:nvSpPr>
+        <p:spPr/>
+      </p:sp>
+      <p:sp>
+        <p:nvSpPr>
+          <p:cNvPr id="3" name="Notizenplatzhalter 2"/>
+          <p:cNvSpPr>
+            <a:spLocks noGrp="1"/>
+          </p:cNvSpPr>
+          <p:nvPr>
+            <p:ph type="body" idx="1"/>
+          </p:nvPr>
+        </p:nvSpPr>
+        <p:spPr/>
+        <p:txBody>
+          <a:bodyPr/>
+          <a:lstStyle/>
+          <a:p>
+            <a:r>
+              <a:rPr lang="de-DE" dirty="0" smtClean="0"/>
+              <a:t>-&gt;</a:t>
+            </a:r>
+            <a:r>
+              <a:rPr lang="de-DE" baseline="0" dirty="0" smtClean="0"/>
+              <a:t> </a:t>
+            </a:r>
+            <a:r>
+              <a:rPr lang="de-DE" dirty="0" smtClean="0"/>
+              <a:t>Tafelbild </a:t>
+            </a:r>
+            <a:r>
+              <a:rPr lang="de-DE" dirty="0" err="1" smtClean="0"/>
+              <a:t>Trajektoren</a:t>
+            </a:r>
+            <a:endParaRPr lang="de-DE" dirty="0"/>
+          </a:p>
+        </p:txBody>
+      </p:sp>
+      <p:sp>
+        <p:nvSpPr>
+          <p:cNvPr id="4" name="Foliennummernplatzhalter 3"/>
+          <p:cNvSpPr>
+            <a:spLocks noGrp="1"/>
+          </p:cNvSpPr>
+          <p:nvPr>
+            <p:ph type="sldNum" sz="quarter" idx="10"/>
+          </p:nvPr>
+        </p:nvSpPr>
+        <p:spPr/>
+        <p:txBody>
+          <a:bodyPr/>
+          <a:lstStyle/>
+          <a:p>
+            <a:fld id="{CC6E5A69-5468-984A-81BB-608CF751A643}" type="slidenum">
+              <a:rPr lang="de-DE" smtClean="0"/>
+              <a:t>16</a:t>
+            </a:fld>
+            <a:endParaRPr lang="de-DE"/>
+          </a:p>
+        </p:txBody>
+      </p:sp>
+    </p:spTree>
+    <p:extLst>
+      <p:ext uri="{BB962C8B-B14F-4D97-AF65-F5344CB8AC3E}">
+        <p14:creationId xmlns:p14="http://schemas.microsoft.com/office/powerpoint/2010/main" val="894760691"/>
+      </p:ext>
+    </p:extLst>
+  </p:cSld>
+  <p:clrMapOvr>
+    <a:masterClrMapping/>
+  </p:clrMapOvr>
+</p:notes>
+</file>
+
+<file path=ppt/notesSlides/notesSlide15.xml><?xml version="1.0" encoding="utf-8"?>
+<p:notes xmlns:a="http://schemas.openxmlformats.org/drawingml/2006/main" xmlns:r="http://schemas.openxmlformats.org/officeDocument/2006/relationships" xmlns:p="http://schemas.openxmlformats.org/presentationml/2006/main">
+  <p:cSld>
+    <p:spTree>
+      <p:nvGrpSpPr>
+        <p:cNvPr id="1" name=""/>
+        <p:cNvGrpSpPr/>
+        <p:nvPr/>
+      </p:nvGrpSpPr>
+      <p:grpSpPr>
+        <a:xfrm>
+          <a:off x="0" y="0"/>
+          <a:ext cx="0" cy="0"/>
+          <a:chOff x="0" y="0"/>
+          <a:chExt cx="0" cy="0"/>
+        </a:xfrm>
+      </p:grpSpPr>
+      <p:sp>
+        <p:nvSpPr>
+          <p:cNvPr id="2" name="Folienbildplatzhalter 1"/>
+          <p:cNvSpPr>
+            <a:spLocks noGrp="1" noRot="1" noChangeAspect="1"/>
+          </p:cNvSpPr>
+          <p:nvPr>
+            <p:ph type="sldImg"/>
+          </p:nvPr>
+        </p:nvSpPr>
+        <p:spPr/>
+      </p:sp>
+      <p:sp>
+        <p:nvSpPr>
+          <p:cNvPr id="3" name="Notizenplatzhalter 2"/>
+          <p:cNvSpPr>
+            <a:spLocks noGrp="1"/>
+          </p:cNvSpPr>
+          <p:nvPr>
+            <p:ph type="body" idx="1"/>
+          </p:nvPr>
+        </p:nvSpPr>
+        <p:spPr/>
+        <p:txBody>
+          <a:bodyPr/>
+          <a:lstStyle/>
+          <a:p>
+            <a:r>
+              <a:rPr lang="de-DE" dirty="0" smtClean="0"/>
+              <a:t>-&gt;</a:t>
+            </a:r>
+            <a:r>
+              <a:rPr lang="de-DE" baseline="0" dirty="0" smtClean="0"/>
+              <a:t> </a:t>
+            </a:r>
+            <a:r>
+              <a:rPr lang="de-DE" dirty="0" smtClean="0"/>
+              <a:t>Tafelbild </a:t>
+            </a:r>
+            <a:r>
+              <a:rPr lang="de-DE" dirty="0" err="1" smtClean="0"/>
+              <a:t>Trajektoren</a:t>
+            </a:r>
+            <a:endParaRPr lang="de-DE" dirty="0"/>
+          </a:p>
+        </p:txBody>
+      </p:sp>
+      <p:sp>
+        <p:nvSpPr>
+          <p:cNvPr id="4" name="Foliennummernplatzhalter 3"/>
+          <p:cNvSpPr>
+            <a:spLocks noGrp="1"/>
+          </p:cNvSpPr>
+          <p:nvPr>
+            <p:ph type="sldNum" sz="quarter" idx="10"/>
+          </p:nvPr>
+        </p:nvSpPr>
+        <p:spPr/>
+        <p:txBody>
+          <a:bodyPr/>
+          <a:lstStyle/>
+          <a:p>
+            <a:fld id="{CC6E5A69-5468-984A-81BB-608CF751A643}" type="slidenum">
+              <a:rPr lang="de-DE" smtClean="0"/>
+              <a:t>18</a:t>
+            </a:fld>
+            <a:endParaRPr lang="de-DE"/>
+          </a:p>
+        </p:txBody>
+      </p:sp>
+    </p:spTree>
+    <p:extLst>
+      <p:ext uri="{BB962C8B-B14F-4D97-AF65-F5344CB8AC3E}">
+        <p14:creationId xmlns:p14="http://schemas.microsoft.com/office/powerpoint/2010/main" val="265360096"/>
+      </p:ext>
+    </p:extLst>
+  </p:cSld>
+  <p:clrMapOvr>
+    <a:masterClrMapping/>
+  </p:clrMapOvr>
+</p:notes>
+</file>
+
 <file path=ppt/notesSlides/notesSlide2.xml><?xml version="1.0" encoding="utf-8"?>
 <p:notes xmlns:a="http://schemas.openxmlformats.org/drawingml/2006/main" xmlns:r="http://schemas.openxmlformats.org/officeDocument/2006/relationships" xmlns:p="http://schemas.openxmlformats.org/presentationml/2006/main">
   <p:cSld>
@@ -763,7 +1374,7 @@
     </p:spTree>
     <p:extLst>
       <p:ext uri="{BB962C8B-B14F-4D97-AF65-F5344CB8AC3E}">
-        <p14:creationId xmlns:p14="http://schemas.microsoft.com/office/powerpoint/2010/main" val="728761014"/>
+        <p14:creationId xmlns:p14="http://schemas.microsoft.com/office/powerpoint/2010/main" val="734333087"/>
       </p:ext>
     </p:extLst>
   </p:cSld>
@@ -863,7 +1474,7 @@
     </p:spTree>
     <p:extLst>
       <p:ext uri="{BB962C8B-B14F-4D97-AF65-F5344CB8AC3E}">
-        <p14:creationId xmlns:p14="http://schemas.microsoft.com/office/powerpoint/2010/main" val="1751993575"/>
+        <p14:creationId xmlns:p14="http://schemas.microsoft.com/office/powerpoint/2010/main" val="1827337496"/>
       </p:ext>
     </p:extLst>
   </p:cSld>
@@ -963,7 +1574,7 @@
     </p:spTree>
     <p:extLst>
       <p:ext uri="{BB962C8B-B14F-4D97-AF65-F5344CB8AC3E}">
-        <p14:creationId xmlns:p14="http://schemas.microsoft.com/office/powerpoint/2010/main" val="1739567908"/>
+        <p14:creationId xmlns:p14="http://schemas.microsoft.com/office/powerpoint/2010/main" val="728761014"/>
       </p:ext>
     </p:extLst>
   </p:cSld>
@@ -1063,7 +1674,7 @@
     </p:spTree>
     <p:extLst>
       <p:ext uri="{BB962C8B-B14F-4D97-AF65-F5344CB8AC3E}">
-        <p14:creationId xmlns:p14="http://schemas.microsoft.com/office/powerpoint/2010/main" val="882495878"/>
+        <p14:creationId xmlns:p14="http://schemas.microsoft.com/office/powerpoint/2010/main" val="1751993575"/>
       </p:ext>
     </p:extLst>
   </p:cSld>
@@ -1163,7 +1774,7 @@
     </p:spTree>
     <p:extLst>
       <p:ext uri="{BB962C8B-B14F-4D97-AF65-F5344CB8AC3E}">
-        <p14:creationId xmlns:p14="http://schemas.microsoft.com/office/powerpoint/2010/main" val="1788427782"/>
+        <p14:creationId xmlns:p14="http://schemas.microsoft.com/office/powerpoint/2010/main" val="454373719"/>
       </p:ext>
     </p:extLst>
   </p:cSld>
@@ -1263,7 +1874,7 @@
     </p:spTree>
     <p:extLst>
       <p:ext uri="{BB962C8B-B14F-4D97-AF65-F5344CB8AC3E}">
-        <p14:creationId xmlns:p14="http://schemas.microsoft.com/office/powerpoint/2010/main" val="894760691"/>
+        <p14:creationId xmlns:p14="http://schemas.microsoft.com/office/powerpoint/2010/main" val="9991457"/>
       </p:ext>
     </p:extLst>
   </p:cSld>
@@ -1354,7 +1965,7 @@
           <a:p>
             <a:fld id="{CC6E5A69-5468-984A-81BB-608CF751A643}" type="slidenum">
               <a:rPr lang="de-DE" smtClean="0"/>
-              <a:t>12</a:t>
+              <a:t>11</a:t>
             </a:fld>
             <a:endParaRPr lang="de-DE"/>
           </a:p>
@@ -1363,7 +1974,7 @@
     </p:spTree>
     <p:extLst>
       <p:ext uri="{BB962C8B-B14F-4D97-AF65-F5344CB8AC3E}">
-        <p14:creationId xmlns:p14="http://schemas.microsoft.com/office/powerpoint/2010/main" val="265360096"/>
+        <p14:creationId xmlns:p14="http://schemas.microsoft.com/office/powerpoint/2010/main" val="687091391"/>
       </p:ext>
     </p:extLst>
   </p:cSld>
@@ -1504,7 +2115,7 @@
           <a:p>
             <a:fld id="{60AE5162-29D6-2941-BA1C-E40AA8DFDBDE}" type="datetimeFigureOut">
               <a:rPr lang="de-DE" smtClean="0"/>
-              <a:t>09.06.18</a:t>
+              <a:t>12.06.18</a:t>
             </a:fld>
             <a:endParaRPr lang="de-DE"/>
           </a:p>
@@ -1674,7 +2285,7 @@
           <a:p>
             <a:fld id="{60AE5162-29D6-2941-BA1C-E40AA8DFDBDE}" type="datetimeFigureOut">
               <a:rPr lang="de-DE" smtClean="0"/>
-              <a:t>09.06.18</a:t>
+              <a:t>12.06.18</a:t>
             </a:fld>
             <a:endParaRPr lang="de-DE"/>
           </a:p>
@@ -1854,7 +2465,7 @@
           <a:p>
             <a:fld id="{60AE5162-29D6-2941-BA1C-E40AA8DFDBDE}" type="datetimeFigureOut">
               <a:rPr lang="de-DE" smtClean="0"/>
-              <a:t>09.06.18</a:t>
+              <a:t>12.06.18</a:t>
             </a:fld>
             <a:endParaRPr lang="de-DE"/>
           </a:p>
@@ -2024,7 +2635,7 @@
           <a:p>
             <a:fld id="{60AE5162-29D6-2941-BA1C-E40AA8DFDBDE}" type="datetimeFigureOut">
               <a:rPr lang="de-DE" smtClean="0"/>
-              <a:t>09.06.18</a:t>
+              <a:t>12.06.18</a:t>
             </a:fld>
             <a:endParaRPr lang="de-DE"/>
           </a:p>
@@ -2268,7 +2879,7 @@
           <a:p>
             <a:fld id="{60AE5162-29D6-2941-BA1C-E40AA8DFDBDE}" type="datetimeFigureOut">
               <a:rPr lang="de-DE" smtClean="0"/>
-              <a:t>09.06.18</a:t>
+              <a:t>12.06.18</a:t>
             </a:fld>
             <a:endParaRPr lang="de-DE"/>
           </a:p>
@@ -2500,7 +3111,7 @@
           <a:p>
             <a:fld id="{60AE5162-29D6-2941-BA1C-E40AA8DFDBDE}" type="datetimeFigureOut">
               <a:rPr lang="de-DE" smtClean="0"/>
-              <a:t>09.06.18</a:t>
+              <a:t>12.06.18</a:t>
             </a:fld>
             <a:endParaRPr lang="de-DE"/>
           </a:p>
@@ -2867,7 +3478,7 @@
           <a:p>
             <a:fld id="{60AE5162-29D6-2941-BA1C-E40AA8DFDBDE}" type="datetimeFigureOut">
               <a:rPr lang="de-DE" smtClean="0"/>
-              <a:t>09.06.18</a:t>
+              <a:t>12.06.18</a:t>
             </a:fld>
             <a:endParaRPr lang="de-DE"/>
           </a:p>
@@ -2985,7 +3596,7 @@
           <a:p>
             <a:fld id="{60AE5162-29D6-2941-BA1C-E40AA8DFDBDE}" type="datetimeFigureOut">
               <a:rPr lang="de-DE" smtClean="0"/>
-              <a:t>09.06.18</a:t>
+              <a:t>12.06.18</a:t>
             </a:fld>
             <a:endParaRPr lang="de-DE"/>
           </a:p>
@@ -3080,7 +3691,7 @@
           <a:p>
             <a:fld id="{60AE5162-29D6-2941-BA1C-E40AA8DFDBDE}" type="datetimeFigureOut">
               <a:rPr lang="de-DE" smtClean="0"/>
-              <a:t>09.06.18</a:t>
+              <a:t>12.06.18</a:t>
             </a:fld>
             <a:endParaRPr lang="de-DE"/>
           </a:p>
@@ -3357,7 +3968,7 @@
           <a:p>
             <a:fld id="{60AE5162-29D6-2941-BA1C-E40AA8DFDBDE}" type="datetimeFigureOut">
               <a:rPr lang="de-DE" smtClean="0"/>
-              <a:t>09.06.18</a:t>
+              <a:t>12.06.18</a:t>
             </a:fld>
             <a:endParaRPr lang="de-DE"/>
           </a:p>
@@ -3614,7 +4225,7 @@
           <a:p>
             <a:fld id="{60AE5162-29D6-2941-BA1C-E40AA8DFDBDE}" type="datetimeFigureOut">
               <a:rPr lang="de-DE" smtClean="0"/>
-              <a:t>09.06.18</a:t>
+              <a:t>12.06.18</a:t>
             </a:fld>
             <a:endParaRPr lang="de-DE"/>
           </a:p>
@@ -3827,7 +4438,7 @@
           <a:p>
             <a:fld id="{60AE5162-29D6-2941-BA1C-E40AA8DFDBDE}" type="datetimeFigureOut">
               <a:rPr lang="de-DE" smtClean="0"/>
-              <a:t>09.06.18</a:t>
+              <a:t>12.06.18</a:t>
             </a:fld>
             <a:endParaRPr lang="de-DE"/>
           </a:p>
@@ -4267,7 +4878,9 @@
         </p:nvSpPr>
         <p:spPr/>
         <p:txBody>
-          <a:bodyPr/>
+          <a:bodyPr>
+            <a:normAutofit/>
+          </a:bodyPr>
           <a:lstStyle/>
           <a:p>
             <a:r>
@@ -4294,7 +4907,22 @@
             </a:br>
             <a:r>
               <a:rPr lang="de-DE" dirty="0" smtClean="0"/>
-              <a:t>Raphael Drechsler</a:t>
+              <a:t>Raphael </a:t>
+            </a:r>
+            <a:r>
+              <a:rPr lang="de-DE" dirty="0" smtClean="0"/>
+              <a:t>Drechsler</a:t>
+            </a:r>
+            <a:br>
+              <a:rPr lang="de-DE" dirty="0" smtClean="0"/>
+            </a:br>
+            <a:r>
+              <a:rPr lang="de-DE" dirty="0" smtClean="0"/>
+              <a:t>David </a:t>
+            </a:r>
+            <a:r>
+              <a:rPr lang="de-DE" dirty="0"/>
+              <a:t>Neumair</a:t>
             </a:r>
             <a:endParaRPr lang="de-DE" dirty="0"/>
           </a:p>
@@ -4359,7 +4987,7 @@
           <a:p>
             <a:r>
               <a:rPr lang="de-DE" dirty="0" smtClean="0"/>
-              <a:t>Ergebnisse &lt; 60%</a:t>
+              <a:t>Input CSVs aufbereiten</a:t>
             </a:r>
             <a:endParaRPr lang="de-DE" dirty="0"/>
           </a:p>
@@ -4373,8 +5001,8 @@
         </p:nvSpPr>
         <p:spPr>
           <a:xfrm>
-            <a:off x="2852779" y="3068877"/>
-            <a:ext cx="3438442" cy="523220"/>
+            <a:off x="628650" y="1161822"/>
+            <a:ext cx="4870276" cy="369332"/>
           </a:xfrm>
           <a:prstGeom prst="rect">
             <a:avLst/>
@@ -4382,23 +5010,142 @@
           <a:noFill/>
         </p:spPr>
         <p:txBody>
+          <a:bodyPr wrap="square" rtlCol="0">
+            <a:spAutoFit/>
+          </a:bodyPr>
+          <a:lstStyle/>
+          <a:p>
+            <a:pPr marL="285750" indent="-285750">
+              <a:buFont typeface="Wingdings" charset="2"/>
+              <a:buChar char="à"/>
+            </a:pPr>
+            <a:r>
+              <a:rPr lang="de-DE" dirty="0" smtClean="0"/>
+              <a:t>Durchführen von mehreren 60s Runs</a:t>
+            </a:r>
+          </a:p>
+        </p:txBody>
+      </p:sp>
+      <p:sp>
+        <p:nvSpPr>
+          <p:cNvPr id="6" name="Textfeld 5"/>
+          <p:cNvSpPr txBox="1"/>
+          <p:nvPr/>
+        </p:nvSpPr>
+        <p:spPr>
+          <a:xfrm>
+            <a:off x="628650" y="3622779"/>
+            <a:ext cx="6849388" cy="369332"/>
+          </a:xfrm>
+          <a:prstGeom prst="rect">
+            <a:avLst/>
+          </a:prstGeom>
+          <a:noFill/>
+        </p:spPr>
+        <p:txBody>
+          <a:bodyPr wrap="square" rtlCol="0">
+            <a:spAutoFit/>
+          </a:bodyPr>
+          <a:lstStyle/>
+          <a:p>
+            <a:pPr marL="285750" indent="-285750">
+              <a:buFont typeface="Wingdings" charset="2"/>
+              <a:buChar char="à"/>
+            </a:pPr>
+            <a:r>
+              <a:rPr lang="de-DE" dirty="0" smtClean="0"/>
+              <a:t>Zuschneiden </a:t>
+            </a:r>
+            <a:r>
+              <a:rPr lang="de-DE" smtClean="0"/>
+              <a:t>auf Input-Tensor-Größe und Label pro Spieler anfügen</a:t>
+            </a:r>
+            <a:endParaRPr lang="de-DE" dirty="0" smtClean="0"/>
+          </a:p>
+        </p:txBody>
+      </p:sp>
+      <p:pic>
+        <p:nvPicPr>
+          <p:cNvPr id="5" name="Bild 4"/>
+          <p:cNvPicPr>
+            <a:picLocks noChangeAspect="1"/>
+          </p:cNvPicPr>
+          <p:nvPr/>
+        </p:nvPicPr>
+        <p:blipFill>
+          <a:blip r:embed="rId3"/>
+          <a:stretch>
+            <a:fillRect/>
+          </a:stretch>
+        </p:blipFill>
+        <p:spPr>
+          <a:xfrm>
+            <a:off x="1217417" y="1510678"/>
+            <a:ext cx="2197100" cy="1689100"/>
+          </a:xfrm>
+          <a:prstGeom prst="rect">
+            <a:avLst/>
+          </a:prstGeom>
+        </p:spPr>
+      </p:pic>
+      <p:sp>
+        <p:nvSpPr>
+          <p:cNvPr id="7" name="Textfeld 6"/>
+          <p:cNvSpPr txBox="1"/>
+          <p:nvPr/>
+        </p:nvSpPr>
+        <p:spPr>
+          <a:xfrm>
+            <a:off x="1217417" y="3199777"/>
+            <a:ext cx="1585178" cy="369332"/>
+          </a:xfrm>
+          <a:prstGeom prst="rect">
+            <a:avLst/>
+          </a:prstGeom>
+          <a:noFill/>
+        </p:spPr>
+        <p:txBody>
           <a:bodyPr wrap="none" rtlCol="0">
             <a:spAutoFit/>
           </a:bodyPr>
           <a:lstStyle/>
           <a:p>
             <a:r>
-              <a:rPr lang="de-DE" sz="2800" dirty="0" smtClean="0"/>
-              <a:t>=&gt; Problem gefunden!</a:t>
-            </a:r>
-            <a:endParaRPr lang="de-DE" sz="2800" dirty="0"/>
-          </a:p>
-        </p:txBody>
-      </p:sp>
+              <a:rPr lang="de-DE" dirty="0" smtClean="0"/>
+              <a:t>ca. 2600 Zeilen</a:t>
+            </a:r>
+            <a:endParaRPr lang="de-DE" dirty="0"/>
+          </a:p>
+        </p:txBody>
+      </p:sp>
+      <p:pic>
+        <p:nvPicPr>
+          <p:cNvPr id="8" name="Bild 7"/>
+          <p:cNvPicPr>
+            <a:picLocks noChangeAspect="1"/>
+          </p:cNvPicPr>
+          <p:nvPr/>
+        </p:nvPicPr>
+        <p:blipFill>
+          <a:blip r:embed="rId4"/>
+          <a:stretch>
+            <a:fillRect/>
+          </a:stretch>
+        </p:blipFill>
+        <p:spPr>
+          <a:xfrm>
+            <a:off x="954327" y="4095492"/>
+            <a:ext cx="7810500" cy="1447800"/>
+          </a:xfrm>
+          <a:prstGeom prst="rect">
+            <a:avLst/>
+          </a:prstGeom>
+        </p:spPr>
+      </p:pic>
     </p:spTree>
     <p:extLst>
       <p:ext uri="{BB962C8B-B14F-4D97-AF65-F5344CB8AC3E}">
-        <p14:creationId xmlns:p14="http://schemas.microsoft.com/office/powerpoint/2010/main" val="387461485"/>
+        <p14:creationId xmlns:p14="http://schemas.microsoft.com/office/powerpoint/2010/main" val="1932825318"/>
       </p:ext>
     </p:extLst>
   </p:cSld>
@@ -4444,7 +5191,7 @@
         </p:nvSpPr>
         <p:spPr>
           <a:xfrm>
-            <a:off x="628650" y="2557181"/>
+            <a:off x="628650" y="0"/>
             <a:ext cx="7886700" cy="1325563"/>
           </a:xfrm>
         </p:spPr>
@@ -4452,31 +5199,200 @@
           <a:bodyPr/>
           <a:lstStyle/>
           <a:p>
-            <a:pPr algn="ctr"/>
-            <a:r>
-              <a:rPr lang="de-DE" dirty="0" err="1" smtClean="0"/>
-              <a:t>Let‘s</a:t>
-            </a:r>
-            <a:r>
-              <a:rPr lang="de-DE" dirty="0" smtClean="0"/>
-              <a:t> </a:t>
-            </a:r>
-            <a:r>
-              <a:rPr lang="de-DE" dirty="0" err="1" smtClean="0"/>
-              <a:t>play</a:t>
-            </a:r>
-            <a:r>
-              <a:rPr lang="de-DE" dirty="0" smtClean="0"/>
-              <a:t>!</a:t>
+            <a:r>
+              <a:rPr lang="de-DE" dirty="0" smtClean="0"/>
+              <a:t>Input CSVs aufbereiten</a:t>
             </a:r>
             <a:endParaRPr lang="de-DE" dirty="0"/>
+          </a:p>
+        </p:txBody>
+      </p:sp>
+      <p:sp>
+        <p:nvSpPr>
+          <p:cNvPr id="3" name="Textfeld 2"/>
+          <p:cNvSpPr txBox="1"/>
+          <p:nvPr/>
+        </p:nvSpPr>
+        <p:spPr>
+          <a:xfrm>
+            <a:off x="628650" y="1161822"/>
+            <a:ext cx="4870276" cy="369332"/>
+          </a:xfrm>
+          <a:prstGeom prst="rect">
+            <a:avLst/>
+          </a:prstGeom>
+          <a:noFill/>
+        </p:spPr>
+        <p:txBody>
+          <a:bodyPr wrap="square" rtlCol="0">
+            <a:spAutoFit/>
+          </a:bodyPr>
+          <a:lstStyle/>
+          <a:p>
+            <a:pPr marL="285750" indent="-285750">
+              <a:buFont typeface="Wingdings" charset="2"/>
+              <a:buChar char="à"/>
+            </a:pPr>
+            <a:r>
+              <a:rPr lang="de-DE" dirty="0" smtClean="0"/>
+              <a:t>Durchführen von mehreren 60s Runs</a:t>
+            </a:r>
+          </a:p>
+        </p:txBody>
+      </p:sp>
+      <p:sp>
+        <p:nvSpPr>
+          <p:cNvPr id="6" name="Textfeld 5"/>
+          <p:cNvSpPr txBox="1"/>
+          <p:nvPr/>
+        </p:nvSpPr>
+        <p:spPr>
+          <a:xfrm>
+            <a:off x="628650" y="3622779"/>
+            <a:ext cx="6849388" cy="369332"/>
+          </a:xfrm>
+          <a:prstGeom prst="rect">
+            <a:avLst/>
+          </a:prstGeom>
+          <a:noFill/>
+        </p:spPr>
+        <p:txBody>
+          <a:bodyPr wrap="square" rtlCol="0">
+            <a:spAutoFit/>
+          </a:bodyPr>
+          <a:lstStyle/>
+          <a:p>
+            <a:pPr marL="285750" indent="-285750">
+              <a:buFont typeface="Wingdings" charset="2"/>
+              <a:buChar char="à"/>
+            </a:pPr>
+            <a:r>
+              <a:rPr lang="de-DE" dirty="0" smtClean="0"/>
+              <a:t>Zuschneiden </a:t>
+            </a:r>
+            <a:r>
+              <a:rPr lang="de-DE" smtClean="0"/>
+              <a:t>auf Input-Tensor-Größe und Label pro Spieler anfügen</a:t>
+            </a:r>
+            <a:endParaRPr lang="de-DE" dirty="0" smtClean="0"/>
+          </a:p>
+        </p:txBody>
+      </p:sp>
+      <p:pic>
+        <p:nvPicPr>
+          <p:cNvPr id="5" name="Bild 4"/>
+          <p:cNvPicPr>
+            <a:picLocks noChangeAspect="1"/>
+          </p:cNvPicPr>
+          <p:nvPr/>
+        </p:nvPicPr>
+        <p:blipFill>
+          <a:blip r:embed="rId3"/>
+          <a:stretch>
+            <a:fillRect/>
+          </a:stretch>
+        </p:blipFill>
+        <p:spPr>
+          <a:xfrm>
+            <a:off x="1217417" y="1510678"/>
+            <a:ext cx="2197100" cy="1689100"/>
+          </a:xfrm>
+          <a:prstGeom prst="rect">
+            <a:avLst/>
+          </a:prstGeom>
+        </p:spPr>
+      </p:pic>
+      <p:sp>
+        <p:nvSpPr>
+          <p:cNvPr id="7" name="Textfeld 6"/>
+          <p:cNvSpPr txBox="1"/>
+          <p:nvPr/>
+        </p:nvSpPr>
+        <p:spPr>
+          <a:xfrm>
+            <a:off x="1217417" y="3199777"/>
+            <a:ext cx="1585178" cy="369332"/>
+          </a:xfrm>
+          <a:prstGeom prst="rect">
+            <a:avLst/>
+          </a:prstGeom>
+          <a:noFill/>
+        </p:spPr>
+        <p:txBody>
+          <a:bodyPr wrap="none" rtlCol="0">
+            <a:spAutoFit/>
+          </a:bodyPr>
+          <a:lstStyle/>
+          <a:p>
+            <a:r>
+              <a:rPr lang="de-DE" dirty="0" smtClean="0"/>
+              <a:t>ca. 2600 Zeilen</a:t>
+            </a:r>
+            <a:endParaRPr lang="de-DE" dirty="0"/>
+          </a:p>
+        </p:txBody>
+      </p:sp>
+      <p:pic>
+        <p:nvPicPr>
+          <p:cNvPr id="8" name="Bild 7"/>
+          <p:cNvPicPr>
+            <a:picLocks noChangeAspect="1"/>
+          </p:cNvPicPr>
+          <p:nvPr/>
+        </p:nvPicPr>
+        <p:blipFill>
+          <a:blip r:embed="rId4"/>
+          <a:stretch>
+            <a:fillRect/>
+          </a:stretch>
+        </p:blipFill>
+        <p:spPr>
+          <a:xfrm>
+            <a:off x="954327" y="4095492"/>
+            <a:ext cx="7810500" cy="1447800"/>
+          </a:xfrm>
+          <a:prstGeom prst="rect">
+            <a:avLst/>
+          </a:prstGeom>
+        </p:spPr>
+      </p:pic>
+      <p:sp>
+        <p:nvSpPr>
+          <p:cNvPr id="9" name="Textfeld 8"/>
+          <p:cNvSpPr txBox="1"/>
+          <p:nvPr/>
+        </p:nvSpPr>
+        <p:spPr>
+          <a:xfrm>
+            <a:off x="628650" y="5785041"/>
+            <a:ext cx="6849388" cy="369332"/>
+          </a:xfrm>
+          <a:prstGeom prst="rect">
+            <a:avLst/>
+          </a:prstGeom>
+          <a:noFill/>
+        </p:spPr>
+        <p:txBody>
+          <a:bodyPr wrap="square" rtlCol="0">
+            <a:spAutoFit/>
+          </a:bodyPr>
+          <a:lstStyle/>
+          <a:p>
+            <a:pPr marL="285750" indent="-285750">
+              <a:buFont typeface="Wingdings" charset="2"/>
+              <a:buChar char="à"/>
+            </a:pPr>
+            <a:r>
+              <a:rPr lang="de-DE" dirty="0" smtClean="0"/>
+              <a:t>Run 1..4 Training-Daten und Run 5..6 Test-Daten</a:t>
+            </a:r>
           </a:p>
         </p:txBody>
       </p:sp>
     </p:spTree>
     <p:extLst>
       <p:ext uri="{BB962C8B-B14F-4D97-AF65-F5344CB8AC3E}">
-        <p14:creationId xmlns:p14="http://schemas.microsoft.com/office/powerpoint/2010/main" val="1207319144"/>
+        <p14:creationId xmlns:p14="http://schemas.microsoft.com/office/powerpoint/2010/main" val="2007996228"/>
       </p:ext>
     </p:extLst>
   </p:cSld>
@@ -4522,7 +5438,7 @@
         </p:nvSpPr>
         <p:spPr>
           <a:xfrm>
-            <a:off x="1818623" y="1941534"/>
+            <a:off x="628650" y="0"/>
             <a:ext cx="7886700" cy="1325563"/>
           </a:xfrm>
         </p:spPr>
@@ -4532,89 +5448,16 @@
           <a:p>
             <a:r>
               <a:rPr lang="de-DE" dirty="0" smtClean="0"/>
-              <a:t>Mögliche Fehlerquellen</a:t>
+              <a:t>Ergebnisse:</a:t>
             </a:r>
             <a:endParaRPr lang="de-DE" dirty="0"/>
-          </a:p>
-        </p:txBody>
-      </p:sp>
-      <p:sp>
-        <p:nvSpPr>
-          <p:cNvPr id="4" name="Textfeld 3"/>
-          <p:cNvSpPr txBox="1"/>
-          <p:nvPr/>
-        </p:nvSpPr>
-        <p:spPr>
-          <a:xfrm>
-            <a:off x="2031566" y="3267097"/>
-            <a:ext cx="4870276" cy="1200329"/>
-          </a:xfrm>
-          <a:prstGeom prst="rect">
-            <a:avLst/>
-          </a:prstGeom>
-          <a:noFill/>
-        </p:spPr>
-        <p:txBody>
-          <a:bodyPr wrap="square" rtlCol="0">
-            <a:spAutoFit/>
-          </a:bodyPr>
-          <a:lstStyle/>
-          <a:p>
-            <a:pPr marL="285750" indent="-285750">
-              <a:buFont typeface="Wingdings" charset="2"/>
-              <a:buChar char="à"/>
-            </a:pPr>
-            <a:r>
-              <a:rPr lang="de-DE" dirty="0" smtClean="0"/>
-              <a:t>Abtastrate und Genauigkeit der Maus</a:t>
-            </a:r>
-          </a:p>
-          <a:p>
-            <a:pPr marL="285750" indent="-285750">
-              <a:buFont typeface="Wingdings" charset="2"/>
-              <a:buChar char="à"/>
-            </a:pPr>
-            <a:r>
-              <a:rPr lang="de-DE" dirty="0" err="1" smtClean="0"/>
-              <a:t>FrameRate</a:t>
-            </a:r>
-            <a:endParaRPr lang="de-DE" dirty="0" smtClean="0"/>
-          </a:p>
-          <a:p>
-            <a:pPr marL="285750" indent="-285750">
-              <a:buFont typeface="Wingdings" charset="2"/>
-              <a:buChar char="à"/>
-            </a:pPr>
-            <a:r>
-              <a:rPr lang="de-DE" dirty="0" smtClean="0"/>
-              <a:t>Boxen </a:t>
-            </a:r>
-            <a:r>
-              <a:rPr lang="de-DE" dirty="0" err="1" smtClean="0"/>
-              <a:t>spawnen</a:t>
-            </a:r>
-            <a:r>
-              <a:rPr lang="de-DE" dirty="0" smtClean="0"/>
-              <a:t> zufällig verteilt</a:t>
-            </a:r>
-            <a:endParaRPr lang="de-DE" dirty="0"/>
-          </a:p>
-          <a:p>
-            <a:pPr marL="742950" lvl="1" indent="-285750">
-              <a:buFont typeface="Wingdings" charset="2"/>
-              <a:buChar char="à"/>
-            </a:pPr>
-            <a:r>
-              <a:rPr lang="de-DE" dirty="0" smtClean="0"/>
-              <a:t>Mehr Daten!</a:t>
-            </a:r>
           </a:p>
         </p:txBody>
       </p:sp>
     </p:spTree>
     <p:extLst>
       <p:ext uri="{BB962C8B-B14F-4D97-AF65-F5344CB8AC3E}">
-        <p14:creationId xmlns:p14="http://schemas.microsoft.com/office/powerpoint/2010/main" val="1068710572"/>
+        <p14:creationId xmlns:p14="http://schemas.microsoft.com/office/powerpoint/2010/main" val="2091111409"/>
       </p:ext>
     </p:extLst>
   </p:cSld>
@@ -4660,27 +5503,62 @@
         </p:nvSpPr>
         <p:spPr>
           <a:xfrm>
-            <a:off x="628650" y="2557181"/>
-            <a:ext cx="7886700" cy="1325563"/>
-          </a:xfrm>
-        </p:spPr>
-        <p:txBody>
-          <a:bodyPr/>
-          <a:lstStyle/>
-          <a:p>
-            <a:pPr algn="ctr"/>
-            <a:r>
-              <a:rPr lang="de-DE" dirty="0" smtClean="0"/>
-              <a:t>Fazit</a:t>
+            <a:off x="628649" y="0"/>
+            <a:ext cx="8185741" cy="1325563"/>
+          </a:xfrm>
+        </p:spPr>
+        <p:txBody>
+          <a:bodyPr/>
+          <a:lstStyle/>
+          <a:p>
+            <a:r>
+              <a:rPr lang="de-DE" dirty="0" smtClean="0"/>
+              <a:t>Ergebnisse: </a:t>
+            </a:r>
+            <a:r>
+              <a:rPr lang="de-DE" dirty="0" smtClean="0"/>
+              <a:t>&lt; 60</a:t>
+            </a:r>
+            <a:r>
+              <a:rPr lang="de-DE" dirty="0" smtClean="0"/>
+              <a:t>% </a:t>
+            </a:r>
+            <a:r>
+              <a:rPr lang="de-DE" dirty="0" err="1" smtClean="0"/>
+              <a:t>Testset-Accuracy</a:t>
             </a:r>
             <a:endParaRPr lang="de-DE" dirty="0"/>
           </a:p>
         </p:txBody>
       </p:sp>
+      <p:pic>
+        <p:nvPicPr>
+          <p:cNvPr id="4" name="Bild 3"/>
+          <p:cNvPicPr>
+            <a:picLocks noChangeAspect="1"/>
+          </p:cNvPicPr>
+          <p:nvPr/>
+        </p:nvPicPr>
+        <p:blipFill>
+          <a:blip r:embed="rId3"/>
+          <a:stretch>
+            <a:fillRect/>
+          </a:stretch>
+        </p:blipFill>
+        <p:spPr>
+          <a:xfrm>
+            <a:off x="1555750" y="2345063"/>
+            <a:ext cx="6032500" cy="1892300"/>
+          </a:xfrm>
+          <a:prstGeom prst="rect">
+            <a:avLst/>
+          </a:prstGeom>
+        </p:spPr>
+      </p:pic>
     </p:spTree>
     <p:extLst>
       <p:ext uri="{BB962C8B-B14F-4D97-AF65-F5344CB8AC3E}">
-        <p14:creationId xmlns:p14="http://schemas.microsoft.com/office/powerpoint/2010/main" val="1350865036"/>
+        <p14:creationId xmlns:p14="http://schemas.microsoft.com/office/powerpoint/2010/main" val="1049751968"/>
       </p:ext>
     </p:extLst>
   </p:cSld>
@@ -4726,7 +5604,7 @@
         </p:nvSpPr>
         <p:spPr>
           <a:xfrm>
-            <a:off x="628650" y="2557181"/>
+            <a:off x="628650" y="0"/>
             <a:ext cx="7886700" cy="1325563"/>
           </a:xfrm>
         </p:spPr>
@@ -4734,19 +5612,532 @@
           <a:bodyPr/>
           <a:lstStyle/>
           <a:p>
-            <a:pPr algn="ctr"/>
-            <a:r>
-              <a:rPr lang="de-DE" dirty="0" smtClean="0"/>
-              <a:t>Fragen?</a:t>
+            <a:r>
+              <a:rPr lang="de-DE" dirty="0" smtClean="0"/>
+              <a:t>Ergebnisse &lt; 60%</a:t>
             </a:r>
             <a:endParaRPr lang="de-DE" dirty="0"/>
           </a:p>
         </p:txBody>
       </p:sp>
+      <p:pic>
+        <p:nvPicPr>
+          <p:cNvPr id="3" name="Bild 2"/>
+          <p:cNvPicPr>
+            <a:picLocks noChangeAspect="1"/>
+          </p:cNvPicPr>
+          <p:nvPr/>
+        </p:nvPicPr>
+        <p:blipFill>
+          <a:blip r:embed="rId3"/>
+          <a:stretch>
+            <a:fillRect/>
+          </a:stretch>
+        </p:blipFill>
+        <p:spPr>
+          <a:xfrm>
+            <a:off x="964504" y="1325563"/>
+            <a:ext cx="7214992" cy="5013808"/>
+          </a:xfrm>
+          <a:prstGeom prst="rect">
+            <a:avLst/>
+          </a:prstGeom>
+        </p:spPr>
+      </p:pic>
+      <p:pic>
+        <p:nvPicPr>
+          <p:cNvPr id="5" name="Bild 4"/>
+          <p:cNvPicPr>
+            <a:picLocks noChangeAspect="1"/>
+          </p:cNvPicPr>
+          <p:nvPr/>
+        </p:nvPicPr>
+        <p:blipFill>
+          <a:blip r:embed="rId4"/>
+          <a:stretch>
+            <a:fillRect/>
+          </a:stretch>
+        </p:blipFill>
+        <p:spPr>
+          <a:xfrm>
+            <a:off x="811843" y="1325563"/>
+            <a:ext cx="7505439" cy="5289919"/>
+          </a:xfrm>
+          <a:prstGeom prst="rect">
+            <a:avLst/>
+          </a:prstGeom>
+        </p:spPr>
+      </p:pic>
     </p:spTree>
     <p:extLst>
       <p:ext uri="{BB962C8B-B14F-4D97-AF65-F5344CB8AC3E}">
-        <p14:creationId xmlns:p14="http://schemas.microsoft.com/office/powerpoint/2010/main" val="128643496"/>
+        <p14:creationId xmlns:p14="http://schemas.microsoft.com/office/powerpoint/2010/main" val="1744976802"/>
+      </p:ext>
+    </p:extLst>
+  </p:cSld>
+  <p:clrMapOvr>
+    <a:masterClrMapping/>
+  </p:clrMapOvr>
+  <p:timing>
+    <p:tnLst>
+      <p:par>
+        <p:cTn id="1" dur="indefinite" restart="never" nodeType="tmRoot"/>
+      </p:par>
+    </p:tnLst>
+  </p:timing>
+</p:sld>
+</file>
+
+<file path=ppt/slides/slide15.xml><?xml version="1.0" encoding="utf-8"?>
+<p:sld xmlns:a="http://schemas.openxmlformats.org/drawingml/2006/main" xmlns:r="http://schemas.openxmlformats.org/officeDocument/2006/relationships" xmlns:p="http://schemas.openxmlformats.org/presentationml/2006/main">
+  <p:cSld>
+    <p:spTree>
+      <p:nvGrpSpPr>
+        <p:cNvPr id="1" name=""/>
+        <p:cNvGrpSpPr/>
+        <p:nvPr/>
+      </p:nvGrpSpPr>
+      <p:grpSpPr>
+        <a:xfrm>
+          <a:off x="0" y="0"/>
+          <a:ext cx="0" cy="0"/>
+          <a:chOff x="0" y="0"/>
+          <a:chExt cx="0" cy="0"/>
+        </a:xfrm>
+      </p:grpSpPr>
+      <p:sp>
+        <p:nvSpPr>
+          <p:cNvPr id="2" name="Titel 1"/>
+          <p:cNvSpPr>
+            <a:spLocks noGrp="1"/>
+          </p:cNvSpPr>
+          <p:nvPr>
+            <p:ph type="title"/>
+          </p:nvPr>
+        </p:nvSpPr>
+        <p:spPr>
+          <a:xfrm>
+            <a:off x="628650" y="0"/>
+            <a:ext cx="7886700" cy="1325563"/>
+          </a:xfrm>
+        </p:spPr>
+        <p:txBody>
+          <a:bodyPr/>
+          <a:lstStyle/>
+          <a:p>
+            <a:r>
+              <a:rPr lang="de-DE" dirty="0" smtClean="0"/>
+              <a:t>Ergebnisse &lt; 60%</a:t>
+            </a:r>
+            <a:endParaRPr lang="de-DE" dirty="0"/>
+          </a:p>
+        </p:txBody>
+      </p:sp>
+      <p:pic>
+        <p:nvPicPr>
+          <p:cNvPr id="4" name="Bild 3"/>
+          <p:cNvPicPr>
+            <a:picLocks noChangeAspect="1"/>
+          </p:cNvPicPr>
+          <p:nvPr/>
+        </p:nvPicPr>
+        <p:blipFill>
+          <a:blip r:embed="rId3"/>
+          <a:stretch>
+            <a:fillRect/>
+          </a:stretch>
+        </p:blipFill>
+        <p:spPr>
+          <a:xfrm>
+            <a:off x="826718" y="1425771"/>
+            <a:ext cx="7490564" cy="5182029"/>
+          </a:xfrm>
+          <a:prstGeom prst="rect">
+            <a:avLst/>
+          </a:prstGeom>
+        </p:spPr>
+      </p:pic>
+    </p:spTree>
+    <p:extLst>
+      <p:ext uri="{BB962C8B-B14F-4D97-AF65-F5344CB8AC3E}">
+        <p14:creationId xmlns:p14="http://schemas.microsoft.com/office/powerpoint/2010/main" val="1861579803"/>
+      </p:ext>
+    </p:extLst>
+  </p:cSld>
+  <p:clrMapOvr>
+    <a:masterClrMapping/>
+  </p:clrMapOvr>
+  <p:timing>
+    <p:tnLst>
+      <p:par>
+        <p:cTn id="1" dur="indefinite" restart="never" nodeType="tmRoot"/>
+      </p:par>
+    </p:tnLst>
+  </p:timing>
+</p:sld>
+</file>
+
+<file path=ppt/slides/slide16.xml><?xml version="1.0" encoding="utf-8"?>
+<p:sld xmlns:a="http://schemas.openxmlformats.org/drawingml/2006/main" xmlns:r="http://schemas.openxmlformats.org/officeDocument/2006/relationships" xmlns:p="http://schemas.openxmlformats.org/presentationml/2006/main">
+  <p:cSld>
+    <p:spTree>
+      <p:nvGrpSpPr>
+        <p:cNvPr id="1" name=""/>
+        <p:cNvGrpSpPr/>
+        <p:nvPr/>
+      </p:nvGrpSpPr>
+      <p:grpSpPr>
+        <a:xfrm>
+          <a:off x="0" y="0"/>
+          <a:ext cx="0" cy="0"/>
+          <a:chOff x="0" y="0"/>
+          <a:chExt cx="0" cy="0"/>
+        </a:xfrm>
+      </p:grpSpPr>
+      <p:sp>
+        <p:nvSpPr>
+          <p:cNvPr id="2" name="Titel 1"/>
+          <p:cNvSpPr>
+            <a:spLocks noGrp="1"/>
+          </p:cNvSpPr>
+          <p:nvPr>
+            <p:ph type="title"/>
+          </p:nvPr>
+        </p:nvSpPr>
+        <p:spPr>
+          <a:xfrm>
+            <a:off x="628650" y="0"/>
+            <a:ext cx="7886700" cy="1325563"/>
+          </a:xfrm>
+        </p:spPr>
+        <p:txBody>
+          <a:bodyPr/>
+          <a:lstStyle/>
+          <a:p>
+            <a:r>
+              <a:rPr lang="de-DE" dirty="0" smtClean="0"/>
+              <a:t>Ergebnisse &lt; 60%</a:t>
+            </a:r>
+            <a:endParaRPr lang="de-DE" dirty="0"/>
+          </a:p>
+        </p:txBody>
+      </p:sp>
+      <p:sp>
+        <p:nvSpPr>
+          <p:cNvPr id="3" name="Textfeld 2"/>
+          <p:cNvSpPr txBox="1"/>
+          <p:nvPr/>
+        </p:nvSpPr>
+        <p:spPr>
+          <a:xfrm>
+            <a:off x="2852779" y="3068877"/>
+            <a:ext cx="3438442" cy="523220"/>
+          </a:xfrm>
+          <a:prstGeom prst="rect">
+            <a:avLst/>
+          </a:prstGeom>
+          <a:noFill/>
+        </p:spPr>
+        <p:txBody>
+          <a:bodyPr wrap="none" rtlCol="0">
+            <a:spAutoFit/>
+          </a:bodyPr>
+          <a:lstStyle/>
+          <a:p>
+            <a:r>
+              <a:rPr lang="de-DE" sz="2800" dirty="0" smtClean="0"/>
+              <a:t>=&gt; Problem gefunden!</a:t>
+            </a:r>
+            <a:endParaRPr lang="de-DE" sz="2800" dirty="0"/>
+          </a:p>
+        </p:txBody>
+      </p:sp>
+    </p:spTree>
+    <p:extLst>
+      <p:ext uri="{BB962C8B-B14F-4D97-AF65-F5344CB8AC3E}">
+        <p14:creationId xmlns:p14="http://schemas.microsoft.com/office/powerpoint/2010/main" val="387461485"/>
+      </p:ext>
+    </p:extLst>
+  </p:cSld>
+  <p:clrMapOvr>
+    <a:masterClrMapping/>
+  </p:clrMapOvr>
+  <p:timing>
+    <p:tnLst>
+      <p:par>
+        <p:cTn id="1" dur="indefinite" restart="never" nodeType="tmRoot"/>
+      </p:par>
+    </p:tnLst>
+  </p:timing>
+</p:sld>
+</file>
+
+<file path=ppt/slides/slide17.xml><?xml version="1.0" encoding="utf-8"?>
+<p:sld xmlns:a="http://schemas.openxmlformats.org/drawingml/2006/main" xmlns:r="http://schemas.openxmlformats.org/officeDocument/2006/relationships" xmlns:p="http://schemas.openxmlformats.org/presentationml/2006/main">
+  <p:cSld>
+    <p:spTree>
+      <p:nvGrpSpPr>
+        <p:cNvPr id="1" name=""/>
+        <p:cNvGrpSpPr/>
+        <p:nvPr/>
+      </p:nvGrpSpPr>
+      <p:grpSpPr>
+        <a:xfrm>
+          <a:off x="0" y="0"/>
+          <a:ext cx="0" cy="0"/>
+          <a:chOff x="0" y="0"/>
+          <a:chExt cx="0" cy="0"/>
+        </a:xfrm>
+      </p:grpSpPr>
+      <p:sp>
+        <p:nvSpPr>
+          <p:cNvPr id="2" name="Titel 1"/>
+          <p:cNvSpPr>
+            <a:spLocks noGrp="1"/>
+          </p:cNvSpPr>
+          <p:nvPr>
+            <p:ph type="title"/>
+          </p:nvPr>
+        </p:nvSpPr>
+        <p:spPr>
+          <a:xfrm>
+            <a:off x="628650" y="2557181"/>
+            <a:ext cx="7886700" cy="1325563"/>
+          </a:xfrm>
+        </p:spPr>
+        <p:txBody>
+          <a:bodyPr/>
+          <a:lstStyle/>
+          <a:p>
+            <a:pPr algn="ctr"/>
+            <a:r>
+              <a:rPr lang="de-DE" dirty="0" err="1" smtClean="0"/>
+              <a:t>Let‘s</a:t>
+            </a:r>
+            <a:r>
+              <a:rPr lang="de-DE" dirty="0" smtClean="0"/>
+              <a:t> </a:t>
+            </a:r>
+            <a:r>
+              <a:rPr lang="de-DE" dirty="0" err="1" smtClean="0"/>
+              <a:t>play</a:t>
+            </a:r>
+            <a:r>
+              <a:rPr lang="de-DE" dirty="0" smtClean="0"/>
+              <a:t>!</a:t>
+            </a:r>
+            <a:endParaRPr lang="de-DE" dirty="0"/>
+          </a:p>
+        </p:txBody>
+      </p:sp>
+    </p:spTree>
+    <p:extLst>
+      <p:ext uri="{BB962C8B-B14F-4D97-AF65-F5344CB8AC3E}">
+        <p14:creationId xmlns:p14="http://schemas.microsoft.com/office/powerpoint/2010/main" val="1207319144"/>
+      </p:ext>
+    </p:extLst>
+  </p:cSld>
+  <p:clrMapOvr>
+    <a:masterClrMapping/>
+  </p:clrMapOvr>
+  <p:timing>
+    <p:tnLst>
+      <p:par>
+        <p:cTn id="1" dur="indefinite" restart="never" nodeType="tmRoot"/>
+      </p:par>
+    </p:tnLst>
+  </p:timing>
+</p:sld>
+</file>
+
+<file path=ppt/slides/slide18.xml><?xml version="1.0" encoding="utf-8"?>
+<p:sld xmlns:a="http://schemas.openxmlformats.org/drawingml/2006/main" xmlns:r="http://schemas.openxmlformats.org/officeDocument/2006/relationships" xmlns:p="http://schemas.openxmlformats.org/presentationml/2006/main">
+  <p:cSld>
+    <p:spTree>
+      <p:nvGrpSpPr>
+        <p:cNvPr id="1" name=""/>
+        <p:cNvGrpSpPr/>
+        <p:nvPr/>
+      </p:nvGrpSpPr>
+      <p:grpSpPr>
+        <a:xfrm>
+          <a:off x="0" y="0"/>
+          <a:ext cx="0" cy="0"/>
+          <a:chOff x="0" y="0"/>
+          <a:chExt cx="0" cy="0"/>
+        </a:xfrm>
+      </p:grpSpPr>
+      <p:sp>
+        <p:nvSpPr>
+          <p:cNvPr id="2" name="Titel 1"/>
+          <p:cNvSpPr>
+            <a:spLocks noGrp="1"/>
+          </p:cNvSpPr>
+          <p:nvPr>
+            <p:ph type="title"/>
+          </p:nvPr>
+        </p:nvSpPr>
+        <p:spPr>
+          <a:xfrm>
+            <a:off x="1818623" y="1941534"/>
+            <a:ext cx="7886700" cy="1325563"/>
+          </a:xfrm>
+        </p:spPr>
+        <p:txBody>
+          <a:bodyPr/>
+          <a:lstStyle/>
+          <a:p>
+            <a:r>
+              <a:rPr lang="de-DE" dirty="0" smtClean="0"/>
+              <a:t>Mögliche Fehlerquellen</a:t>
+            </a:r>
+            <a:endParaRPr lang="de-DE" dirty="0"/>
+          </a:p>
+        </p:txBody>
+      </p:sp>
+      <p:sp>
+        <p:nvSpPr>
+          <p:cNvPr id="4" name="Textfeld 3"/>
+          <p:cNvSpPr txBox="1"/>
+          <p:nvPr/>
+        </p:nvSpPr>
+        <p:spPr>
+          <a:xfrm>
+            <a:off x="2031566" y="3267097"/>
+            <a:ext cx="4870276" cy="1200329"/>
+          </a:xfrm>
+          <a:prstGeom prst="rect">
+            <a:avLst/>
+          </a:prstGeom>
+          <a:noFill/>
+        </p:spPr>
+        <p:txBody>
+          <a:bodyPr wrap="square" rtlCol="0">
+            <a:spAutoFit/>
+          </a:bodyPr>
+          <a:lstStyle/>
+          <a:p>
+            <a:pPr marL="285750" indent="-285750">
+              <a:buFont typeface="Wingdings" charset="2"/>
+              <a:buChar char="à"/>
+            </a:pPr>
+            <a:r>
+              <a:rPr lang="de-DE" dirty="0" smtClean="0"/>
+              <a:t>Abtastrate und Genauigkeit der Maus</a:t>
+            </a:r>
+          </a:p>
+          <a:p>
+            <a:pPr marL="285750" indent="-285750">
+              <a:buFont typeface="Wingdings" charset="2"/>
+              <a:buChar char="à"/>
+            </a:pPr>
+            <a:r>
+              <a:rPr lang="de-DE" dirty="0" err="1" smtClean="0"/>
+              <a:t>FrameRate</a:t>
+            </a:r>
+            <a:endParaRPr lang="de-DE" dirty="0" smtClean="0"/>
+          </a:p>
+          <a:p>
+            <a:pPr marL="285750" indent="-285750">
+              <a:buFont typeface="Wingdings" charset="2"/>
+              <a:buChar char="à"/>
+            </a:pPr>
+            <a:r>
+              <a:rPr lang="de-DE" dirty="0" smtClean="0"/>
+              <a:t>Boxen </a:t>
+            </a:r>
+            <a:r>
+              <a:rPr lang="de-DE" dirty="0" err="1" smtClean="0"/>
+              <a:t>spawnen</a:t>
+            </a:r>
+            <a:r>
+              <a:rPr lang="de-DE" dirty="0" smtClean="0"/>
+              <a:t> zufällig verteilt</a:t>
+            </a:r>
+            <a:endParaRPr lang="de-DE" dirty="0"/>
+          </a:p>
+          <a:p>
+            <a:pPr marL="742950" lvl="1" indent="-285750">
+              <a:buFont typeface="Wingdings" charset="2"/>
+              <a:buChar char="à"/>
+            </a:pPr>
+            <a:r>
+              <a:rPr lang="de-DE" dirty="0" smtClean="0"/>
+              <a:t>Mehr Daten!</a:t>
+            </a:r>
+          </a:p>
+        </p:txBody>
+      </p:sp>
+    </p:spTree>
+    <p:extLst>
+      <p:ext uri="{BB962C8B-B14F-4D97-AF65-F5344CB8AC3E}">
+        <p14:creationId xmlns:p14="http://schemas.microsoft.com/office/powerpoint/2010/main" val="1068710572"/>
+      </p:ext>
+    </p:extLst>
+  </p:cSld>
+  <p:clrMapOvr>
+    <a:masterClrMapping/>
+  </p:clrMapOvr>
+  <p:timing>
+    <p:tnLst>
+      <p:par>
+        <p:cTn id="1" dur="indefinite" restart="never" nodeType="tmRoot"/>
+      </p:par>
+    </p:tnLst>
+  </p:timing>
+</p:sld>
+</file>
+
+<file path=ppt/slides/slide19.xml><?xml version="1.0" encoding="utf-8"?>
+<p:sld xmlns:a="http://schemas.openxmlformats.org/drawingml/2006/main" xmlns:r="http://schemas.openxmlformats.org/officeDocument/2006/relationships" xmlns:p="http://schemas.openxmlformats.org/presentationml/2006/main">
+  <p:cSld>
+    <p:spTree>
+      <p:nvGrpSpPr>
+        <p:cNvPr id="1" name=""/>
+        <p:cNvGrpSpPr/>
+        <p:nvPr/>
+      </p:nvGrpSpPr>
+      <p:grpSpPr>
+        <a:xfrm>
+          <a:off x="0" y="0"/>
+          <a:ext cx="0" cy="0"/>
+          <a:chOff x="0" y="0"/>
+          <a:chExt cx="0" cy="0"/>
+        </a:xfrm>
+      </p:grpSpPr>
+      <p:sp>
+        <p:nvSpPr>
+          <p:cNvPr id="2" name="Titel 1"/>
+          <p:cNvSpPr>
+            <a:spLocks noGrp="1"/>
+          </p:cNvSpPr>
+          <p:nvPr>
+            <p:ph type="title"/>
+          </p:nvPr>
+        </p:nvSpPr>
+        <p:spPr>
+          <a:xfrm>
+            <a:off x="628650" y="2557181"/>
+            <a:ext cx="7886700" cy="1325563"/>
+          </a:xfrm>
+        </p:spPr>
+        <p:txBody>
+          <a:bodyPr/>
+          <a:lstStyle/>
+          <a:p>
+            <a:pPr algn="ctr"/>
+            <a:r>
+              <a:rPr lang="de-DE" dirty="0" smtClean="0"/>
+              <a:t>Fazit</a:t>
+            </a:r>
+            <a:endParaRPr lang="de-DE" dirty="0"/>
+          </a:p>
+        </p:txBody>
+      </p:sp>
+    </p:spTree>
+    <p:extLst>
+      <p:ext uri="{BB962C8B-B14F-4D97-AF65-F5344CB8AC3E}">
+        <p14:creationId xmlns:p14="http://schemas.microsoft.com/office/powerpoint/2010/main" val="1350865036"/>
       </p:ext>
     </p:extLst>
   </p:cSld>
@@ -4858,6 +6249,72 @@
 </p:sld>
 </file>
 
+<file path=ppt/slides/slide20.xml><?xml version="1.0" encoding="utf-8"?>
+<p:sld xmlns:a="http://schemas.openxmlformats.org/drawingml/2006/main" xmlns:r="http://schemas.openxmlformats.org/officeDocument/2006/relationships" xmlns:p="http://schemas.openxmlformats.org/presentationml/2006/main">
+  <p:cSld>
+    <p:spTree>
+      <p:nvGrpSpPr>
+        <p:cNvPr id="1" name=""/>
+        <p:cNvGrpSpPr/>
+        <p:nvPr/>
+      </p:nvGrpSpPr>
+      <p:grpSpPr>
+        <a:xfrm>
+          <a:off x="0" y="0"/>
+          <a:ext cx="0" cy="0"/>
+          <a:chOff x="0" y="0"/>
+          <a:chExt cx="0" cy="0"/>
+        </a:xfrm>
+      </p:grpSpPr>
+      <p:sp>
+        <p:nvSpPr>
+          <p:cNvPr id="2" name="Titel 1"/>
+          <p:cNvSpPr>
+            <a:spLocks noGrp="1"/>
+          </p:cNvSpPr>
+          <p:nvPr>
+            <p:ph type="title"/>
+          </p:nvPr>
+        </p:nvSpPr>
+        <p:spPr>
+          <a:xfrm>
+            <a:off x="628650" y="2557181"/>
+            <a:ext cx="7886700" cy="1325563"/>
+          </a:xfrm>
+        </p:spPr>
+        <p:txBody>
+          <a:bodyPr/>
+          <a:lstStyle/>
+          <a:p>
+            <a:pPr algn="ctr"/>
+            <a:r>
+              <a:rPr lang="de-DE" dirty="0" smtClean="0"/>
+              <a:t>Fragen?</a:t>
+            </a:r>
+            <a:endParaRPr lang="de-DE" dirty="0"/>
+          </a:p>
+        </p:txBody>
+      </p:sp>
+    </p:spTree>
+    <p:extLst>
+      <p:ext uri="{BB962C8B-B14F-4D97-AF65-F5344CB8AC3E}">
+        <p14:creationId xmlns:p14="http://schemas.microsoft.com/office/powerpoint/2010/main" val="128643496"/>
+      </p:ext>
+    </p:extLst>
+  </p:cSld>
+  <p:clrMapOvr>
+    <a:masterClrMapping/>
+  </p:clrMapOvr>
+  <p:timing>
+    <p:tnLst>
+      <p:par>
+        <p:cTn id="1" dur="indefinite" restart="never" nodeType="tmRoot"/>
+      </p:par>
+    </p:tnLst>
+  </p:timing>
+</p:sld>
+</file>
+
 <file path=ppt/slides/slide3.xml><?xml version="1.0" encoding="utf-8"?>
 <p:sld xmlns:a="http://schemas.openxmlformats.org/drawingml/2006/main" xmlns:r="http://schemas.openxmlformats.org/officeDocument/2006/relationships" xmlns:p="http://schemas.openxmlformats.org/presentationml/2006/main">
   <p:cSld>
@@ -5061,11 +6518,7 @@
           <a:p>
             <a:r>
               <a:rPr lang="de-DE" dirty="0" smtClean="0"/>
-              <a:t>Mausbewegung als Delta pr</a:t>
-            </a:r>
-            <a:r>
-              <a:rPr lang="de-DE" dirty="0" smtClean="0"/>
-              <a:t>o Frame</a:t>
+              <a:t>Mausbewegung als Delta pro Frame</a:t>
             </a:r>
             <a:endParaRPr lang="de-DE" dirty="0"/>
           </a:p>
@@ -5136,139 +6589,6 @@
           </a:p>
         </p:txBody>
       </p:sp>
-      <p:sp>
-        <p:nvSpPr>
-          <p:cNvPr id="6" name="Textfeld 5"/>
-          <p:cNvSpPr txBox="1"/>
-          <p:nvPr/>
-        </p:nvSpPr>
-        <p:spPr>
-          <a:xfrm>
-            <a:off x="623058" y="4221050"/>
-            <a:ext cx="4870276" cy="369332"/>
-          </a:xfrm>
-          <a:prstGeom prst="rect">
-            <a:avLst/>
-          </a:prstGeom>
-          <a:noFill/>
-        </p:spPr>
-        <p:txBody>
-          <a:bodyPr wrap="square" rtlCol="0">
-            <a:spAutoFit/>
-          </a:bodyPr>
-          <a:lstStyle/>
-          <a:p>
-            <a:pPr marL="285750" indent="-285750">
-              <a:buFont typeface="Wingdings" charset="2"/>
-              <a:buChar char="à"/>
-            </a:pPr>
-            <a:r>
-              <a:rPr lang="de-DE" dirty="0" smtClean="0"/>
-              <a:t>Variable Parameter des Netzes</a:t>
-            </a:r>
-          </a:p>
-        </p:txBody>
-      </p:sp>
-      <p:sp>
-        <p:nvSpPr>
-          <p:cNvPr id="7" name="Textfeld 6"/>
-          <p:cNvSpPr txBox="1"/>
-          <p:nvPr/>
-        </p:nvSpPr>
-        <p:spPr>
-          <a:xfrm>
-            <a:off x="764089" y="4603018"/>
-            <a:ext cx="5193345" cy="1477328"/>
-          </a:xfrm>
-          <a:prstGeom prst="rect">
-            <a:avLst/>
-          </a:prstGeom>
-          <a:noFill/>
-        </p:spPr>
-        <p:txBody>
-          <a:bodyPr wrap="none" rtlCol="0">
-            <a:spAutoFit/>
-          </a:bodyPr>
-          <a:lstStyle/>
-          <a:p>
-            <a:r>
-              <a:rPr lang="de-DE" dirty="0" smtClean="0"/>
-              <a:t>- Genutzte Loss-Funktion</a:t>
-            </a:r>
-          </a:p>
-          <a:p>
-            <a:r>
-              <a:rPr lang="de-DE" dirty="0" smtClean="0"/>
-              <a:t>- Genutzte Optimierungs-Funktion</a:t>
-            </a:r>
-          </a:p>
-          <a:p>
-            <a:r>
-              <a:rPr lang="de-DE" dirty="0" smtClean="0"/>
-              <a:t>- Aktivierungsfunktionen der Neuronen der Schichten</a:t>
-            </a:r>
-          </a:p>
-          <a:p>
-            <a:r>
-              <a:rPr lang="de-DE" dirty="0" smtClean="0"/>
-              <a:t>- Anzahl der Schichten</a:t>
-            </a:r>
-          </a:p>
-          <a:p>
-            <a:r>
-              <a:rPr lang="de-DE" dirty="0" smtClean="0"/>
-              <a:t>- Anzahl der Neuronen pro Schicht</a:t>
-            </a:r>
-          </a:p>
-        </p:txBody>
-      </p:sp>
-      <p:pic>
-        <p:nvPicPr>
-          <p:cNvPr id="4" name="Bild 3"/>
-          <p:cNvPicPr>
-            <a:picLocks noChangeAspect="1"/>
-          </p:cNvPicPr>
-          <p:nvPr/>
-        </p:nvPicPr>
-        <p:blipFill>
-          <a:blip r:embed="rId3"/>
-          <a:stretch>
-            <a:fillRect/>
-          </a:stretch>
-        </p:blipFill>
-        <p:spPr>
-          <a:xfrm>
-            <a:off x="6098465" y="3970640"/>
-            <a:ext cx="2669753" cy="2518970"/>
-          </a:xfrm>
-          <a:prstGeom prst="rect">
-            <a:avLst/>
-          </a:prstGeom>
-        </p:spPr>
-      </p:pic>
-      <p:pic>
-        <p:nvPicPr>
-          <p:cNvPr id="8" name="Bild 7"/>
-          <p:cNvPicPr>
-            <a:picLocks noChangeAspect="1"/>
-          </p:cNvPicPr>
-          <p:nvPr/>
-        </p:nvPicPr>
-        <p:blipFill rotWithShape="1">
-          <a:blip r:embed="rId4"/>
-          <a:srcRect t="7494" b="6170"/>
-          <a:stretch/>
-        </p:blipFill>
-        <p:spPr>
-          <a:xfrm>
-            <a:off x="1424526" y="977030"/>
-            <a:ext cx="6294947" cy="3156449"/>
-          </a:xfrm>
-          <a:prstGeom prst="rect">
-            <a:avLst/>
-          </a:prstGeom>
-        </p:spPr>
-      </p:pic>
     </p:spTree>
     <p:extLst>
       <p:ext uri="{BB962C8B-B14F-4D97-AF65-F5344CB8AC3E}">
@@ -5328,96 +6648,29 @@
           <a:p>
             <a:r>
               <a:rPr lang="de-DE" dirty="0" smtClean="0"/>
-              <a:t>Input-Größe des Netzes</a:t>
+              <a:t>Das Netz</a:t>
             </a:r>
             <a:endParaRPr lang="de-DE" dirty="0"/>
-          </a:p>
-        </p:txBody>
-      </p:sp>
-      <p:sp>
-        <p:nvSpPr>
-          <p:cNvPr id="3" name="Textfeld 2"/>
-          <p:cNvSpPr txBox="1"/>
-          <p:nvPr/>
-        </p:nvSpPr>
-        <p:spPr>
-          <a:xfrm>
-            <a:off x="628650" y="1325562"/>
-            <a:ext cx="4870276" cy="369332"/>
-          </a:xfrm>
-          <a:prstGeom prst="rect">
-            <a:avLst/>
-          </a:prstGeom>
-          <a:noFill/>
-        </p:spPr>
-        <p:txBody>
-          <a:bodyPr wrap="square" rtlCol="0">
-            <a:spAutoFit/>
-          </a:bodyPr>
-          <a:lstStyle/>
-          <a:p>
-            <a:pPr marL="285750" indent="-285750">
-              <a:buFont typeface="Wingdings" charset="2"/>
-              <a:buChar char="à"/>
-            </a:pPr>
-            <a:r>
-              <a:rPr lang="de-DE" dirty="0" smtClean="0"/>
-              <a:t>Zerschneiden der abgetasteten Maus-Deltas</a:t>
-            </a:r>
-          </a:p>
-        </p:txBody>
-      </p:sp>
-      <p:sp>
-        <p:nvSpPr>
-          <p:cNvPr id="6" name="Textfeld 5"/>
-          <p:cNvSpPr txBox="1"/>
-          <p:nvPr/>
-        </p:nvSpPr>
-        <p:spPr>
-          <a:xfrm>
-            <a:off x="628650" y="5401473"/>
-            <a:ext cx="4870276" cy="369332"/>
-          </a:xfrm>
-          <a:prstGeom prst="rect">
-            <a:avLst/>
-          </a:prstGeom>
-          <a:noFill/>
-        </p:spPr>
-        <p:txBody>
-          <a:bodyPr wrap="square" rtlCol="0">
-            <a:spAutoFit/>
-          </a:bodyPr>
-          <a:lstStyle/>
-          <a:p>
-            <a:pPr marL="285750" indent="-285750">
-              <a:buFont typeface="Wingdings" charset="2"/>
-              <a:buChar char="à"/>
-            </a:pPr>
-            <a:r>
-              <a:rPr lang="de-DE" dirty="0" smtClean="0"/>
-              <a:t>Zusätzliche Variable: Größe der Input-Tensoren</a:t>
-            </a:r>
           </a:p>
         </p:txBody>
       </p:sp>
       <p:pic>
         <p:nvPicPr>
-          <p:cNvPr id="4" name="Bild 3"/>
+          <p:cNvPr id="8" name="Bild 7"/>
           <p:cNvPicPr>
             <a:picLocks noChangeAspect="1"/>
           </p:cNvPicPr>
           <p:nvPr/>
         </p:nvPicPr>
-        <p:blipFill>
+        <p:blipFill rotWithShape="1">
           <a:blip r:embed="rId3"/>
-          <a:stretch>
-            <a:fillRect/>
-          </a:stretch>
+          <a:srcRect t="7494" b="6170"/>
+          <a:stretch/>
         </p:blipFill>
         <p:spPr>
           <a:xfrm>
-            <a:off x="1585065" y="1712701"/>
-            <a:ext cx="3405949" cy="3670965"/>
+            <a:off x="1424526" y="977030"/>
+            <a:ext cx="6294947" cy="3156449"/>
           </a:xfrm>
           <a:prstGeom prst="rect">
             <a:avLst/>
@@ -5427,7 +6680,7 @@
     </p:spTree>
     <p:extLst>
       <p:ext uri="{BB962C8B-B14F-4D97-AF65-F5344CB8AC3E}">
-        <p14:creationId xmlns:p14="http://schemas.microsoft.com/office/powerpoint/2010/main" val="694746079"/>
+        <p14:creationId xmlns:p14="http://schemas.microsoft.com/office/powerpoint/2010/main" val="2120950520"/>
       </p:ext>
     </p:extLst>
   </p:cSld>
@@ -5483,7 +6736,7 @@
           <a:p>
             <a:r>
               <a:rPr lang="de-DE" dirty="0" smtClean="0"/>
-              <a:t>Input CSVs aufbereiten</a:t>
+              <a:t>Das Netz</a:t>
             </a:r>
             <a:endParaRPr lang="de-DE" dirty="0"/>
           </a:p>
@@ -5491,13 +6744,13 @@
       </p:sp>
       <p:sp>
         <p:nvSpPr>
-          <p:cNvPr id="3" name="Textfeld 2"/>
+          <p:cNvPr id="6" name="Textfeld 5"/>
           <p:cNvSpPr txBox="1"/>
           <p:nvPr/>
         </p:nvSpPr>
         <p:spPr>
           <a:xfrm>
-            <a:off x="628650" y="1161822"/>
+            <a:off x="623058" y="4221050"/>
             <a:ext cx="4870276" cy="369332"/>
           </a:xfrm>
           <a:prstGeom prst="rect">
@@ -5517,21 +6770,21 @@
             </a:pPr>
             <a:r>
               <a:rPr lang="de-DE" dirty="0" smtClean="0"/>
-              <a:t>Durchführen von mehreren 60s Runs</a:t>
-            </a:r>
-          </a:p>
-        </p:txBody>
-      </p:sp>
-      <p:sp>
-        <p:nvSpPr>
-          <p:cNvPr id="6" name="Textfeld 5"/>
+              <a:t>Variable Parameter des Netzes</a:t>
+            </a:r>
+          </a:p>
+        </p:txBody>
+      </p:sp>
+      <p:sp>
+        <p:nvSpPr>
+          <p:cNvPr id="7" name="Textfeld 6"/>
           <p:cNvSpPr txBox="1"/>
           <p:nvPr/>
         </p:nvSpPr>
         <p:spPr>
           <a:xfrm>
-            <a:off x="628650" y="3622779"/>
-            <a:ext cx="6849388" cy="369332"/>
+            <a:off x="764089" y="4603018"/>
+            <a:ext cx="5193345" cy="1477328"/>
           </a:xfrm>
           <a:prstGeom prst="rect">
             <a:avLst/>
@@ -5539,30 +6792,45 @@
           <a:noFill/>
         </p:spPr>
         <p:txBody>
-          <a:bodyPr wrap="square" rtlCol="0">
+          <a:bodyPr wrap="none" rtlCol="0">
             <a:spAutoFit/>
           </a:bodyPr>
           <a:lstStyle/>
           <a:p>
-            <a:pPr marL="285750" indent="-285750">
-              <a:buFont typeface="Wingdings" charset="2"/>
-              <a:buChar char="à"/>
-            </a:pPr>
-            <a:r>
-              <a:rPr lang="de-DE" dirty="0" smtClean="0"/>
-              <a:t>Zuschneiden </a:t>
-            </a:r>
-            <a:r>
-              <a:rPr lang="de-DE" smtClean="0"/>
-              <a:t>auf Input-Tensor-Größe und Label pro Spieler anfügen</a:t>
-            </a:r>
-            <a:endParaRPr lang="de-DE" dirty="0" smtClean="0"/>
+            <a:r>
+              <a:rPr lang="de-DE" dirty="0" smtClean="0"/>
+              <a:t>- Genutzte Loss-Funktion</a:t>
+            </a:r>
+          </a:p>
+          <a:p>
+            <a:r>
+              <a:rPr lang="de-DE" dirty="0" smtClean="0"/>
+              <a:t>- Genutzte Optimierungs-Funktion</a:t>
+            </a:r>
+          </a:p>
+          <a:p>
+            <a:r>
+              <a:rPr lang="de-DE" dirty="0" smtClean="0"/>
+              <a:t>- Aktivierungsfunktionen der Neuronen der Schichten</a:t>
+            </a:r>
+          </a:p>
+          <a:p>
+            <a:r>
+              <a:rPr lang="de-DE" dirty="0" smtClean="0"/>
+              <a:t>- Anzahl der Schichten</a:t>
+            </a:r>
+          </a:p>
+          <a:p>
+            <a:r>
+              <a:rPr lang="de-DE" dirty="0" smtClean="0"/>
+              <a:t>- Anzahl der Neuronen pro Schicht</a:t>
+            </a:r>
           </a:p>
         </p:txBody>
       </p:sp>
       <p:pic>
         <p:nvPicPr>
-          <p:cNvPr id="5" name="Bild 4"/>
+          <p:cNvPr id="4" name="Bild 3"/>
           <p:cNvPicPr>
             <a:picLocks noChangeAspect="1"/>
           </p:cNvPicPr>
@@ -5576,44 +6844,14 @@
         </p:blipFill>
         <p:spPr>
           <a:xfrm>
-            <a:off x="1217417" y="1510678"/>
-            <a:ext cx="2197100" cy="1689100"/>
+            <a:off x="6098465" y="3970640"/>
+            <a:ext cx="2669753" cy="2518970"/>
           </a:xfrm>
           <a:prstGeom prst="rect">
             <a:avLst/>
           </a:prstGeom>
         </p:spPr>
       </p:pic>
-      <p:sp>
-        <p:nvSpPr>
-          <p:cNvPr id="7" name="Textfeld 6"/>
-          <p:cNvSpPr txBox="1"/>
-          <p:nvPr/>
-        </p:nvSpPr>
-        <p:spPr>
-          <a:xfrm>
-            <a:off x="1217417" y="3199777"/>
-            <a:ext cx="1585178" cy="369332"/>
-          </a:xfrm>
-          <a:prstGeom prst="rect">
-            <a:avLst/>
-          </a:prstGeom>
-          <a:noFill/>
-        </p:spPr>
-        <p:txBody>
-          <a:bodyPr wrap="none" rtlCol="0">
-            <a:spAutoFit/>
-          </a:bodyPr>
-          <a:lstStyle/>
-          <a:p>
-            <a:r>
-              <a:rPr lang="de-DE" dirty="0" smtClean="0"/>
-              <a:t>ca. 2600 Zeilen</a:t>
-            </a:r>
-            <a:endParaRPr lang="de-DE" dirty="0"/>
-          </a:p>
-        </p:txBody>
-      </p:sp>
       <p:pic>
         <p:nvPicPr>
           <p:cNvPr id="8" name="Bild 7"/>
@@ -5622,59 +6860,25 @@
           </p:cNvPicPr>
           <p:nvPr/>
         </p:nvPicPr>
-        <p:blipFill>
+        <p:blipFill rotWithShape="1">
           <a:blip r:embed="rId4"/>
-          <a:stretch>
-            <a:fillRect/>
-          </a:stretch>
+          <a:srcRect t="7494" b="6170"/>
+          <a:stretch/>
         </p:blipFill>
         <p:spPr>
           <a:xfrm>
-            <a:off x="954327" y="4095492"/>
-            <a:ext cx="7810500" cy="1447800"/>
+            <a:off x="1424526" y="977030"/>
+            <a:ext cx="6294947" cy="3156449"/>
           </a:xfrm>
           <a:prstGeom prst="rect">
             <a:avLst/>
           </a:prstGeom>
         </p:spPr>
       </p:pic>
-      <p:sp>
-        <p:nvSpPr>
-          <p:cNvPr id="9" name="Textfeld 8"/>
-          <p:cNvSpPr txBox="1"/>
-          <p:nvPr/>
-        </p:nvSpPr>
-        <p:spPr>
-          <a:xfrm>
-            <a:off x="628650" y="5785041"/>
-            <a:ext cx="6849388" cy="369332"/>
-          </a:xfrm>
-          <a:prstGeom prst="rect">
-            <a:avLst/>
-          </a:prstGeom>
-          <a:noFill/>
-        </p:spPr>
-        <p:txBody>
-          <a:bodyPr wrap="square" rtlCol="0">
-            <a:spAutoFit/>
-          </a:bodyPr>
-          <a:lstStyle/>
-          <a:p>
-            <a:pPr marL="285750" indent="-285750">
-              <a:buFont typeface="Wingdings" charset="2"/>
-              <a:buChar char="à"/>
-            </a:pPr>
-            <a:r>
-              <a:rPr lang="de-DE" dirty="0" smtClean="0"/>
-              <a:t>Run 1..4 Training-Daten und Run 5..6 Test-Daten</a:t>
-            </a:r>
-          </a:p>
-        </p:txBody>
-      </p:sp>
     </p:spTree>
     <p:extLst>
       <p:ext uri="{BB962C8B-B14F-4D97-AF65-F5344CB8AC3E}">
-        <p14:creationId xmlns:p14="http://schemas.microsoft.com/office/powerpoint/2010/main" val="417411411"/>
+        <p14:creationId xmlns:p14="http://schemas.microsoft.com/office/powerpoint/2010/main" val="2068245234"/>
       </p:ext>
     </p:extLst>
   </p:cSld>
@@ -5730,9 +6934,75 @@
           <a:p>
             <a:r>
               <a:rPr lang="de-DE" dirty="0" smtClean="0"/>
-              <a:t>Ergebnisse &lt; 60%</a:t>
+              <a:t>Input-Größe des Netzes</a:t>
             </a:r>
             <a:endParaRPr lang="de-DE" dirty="0"/>
+          </a:p>
+        </p:txBody>
+      </p:sp>
+      <p:sp>
+        <p:nvSpPr>
+          <p:cNvPr id="3" name="Textfeld 2"/>
+          <p:cNvSpPr txBox="1"/>
+          <p:nvPr/>
+        </p:nvSpPr>
+        <p:spPr>
+          <a:xfrm>
+            <a:off x="628650" y="1325562"/>
+            <a:ext cx="4870276" cy="369332"/>
+          </a:xfrm>
+          <a:prstGeom prst="rect">
+            <a:avLst/>
+          </a:prstGeom>
+          <a:noFill/>
+        </p:spPr>
+        <p:txBody>
+          <a:bodyPr wrap="square" rtlCol="0">
+            <a:spAutoFit/>
+          </a:bodyPr>
+          <a:lstStyle/>
+          <a:p>
+            <a:pPr marL="285750" indent="-285750">
+              <a:buFont typeface="Wingdings" charset="2"/>
+              <a:buChar char="à"/>
+            </a:pPr>
+            <a:r>
+              <a:rPr lang="de-DE" dirty="0" smtClean="0"/>
+              <a:t>Zerschneiden der abgetasteten Maus-Deltas</a:t>
+            </a:r>
+          </a:p>
+        </p:txBody>
+      </p:sp>
+      <p:sp>
+        <p:nvSpPr>
+          <p:cNvPr id="6" name="Textfeld 5"/>
+          <p:cNvSpPr txBox="1"/>
+          <p:nvPr/>
+        </p:nvSpPr>
+        <p:spPr>
+          <a:xfrm>
+            <a:off x="628650" y="5401473"/>
+            <a:ext cx="4870276" cy="369332"/>
+          </a:xfrm>
+          <a:prstGeom prst="rect">
+            <a:avLst/>
+          </a:prstGeom>
+          <a:noFill/>
+        </p:spPr>
+        <p:txBody>
+          <a:bodyPr wrap="square" rtlCol="0">
+            <a:spAutoFit/>
+          </a:bodyPr>
+          <a:lstStyle/>
+          <a:p>
+            <a:pPr marL="285750" indent="-285750">
+              <a:buFont typeface="Wingdings" charset="2"/>
+              <a:buChar char="à"/>
+            </a:pPr>
+            <a:r>
+              <a:rPr lang="de-DE" dirty="0" smtClean="0"/>
+              <a:t>Zusätzliche Variable: Größe der Input-Tensoren</a:t>
+            </a:r>
           </a:p>
         </p:txBody>
       </p:sp>
@@ -5752,8 +7022,8 @@
         </p:blipFill>
         <p:spPr>
           <a:xfrm>
-            <a:off x="1555750" y="2345063"/>
-            <a:ext cx="6032500" cy="1892300"/>
+            <a:off x="1585065" y="1712701"/>
+            <a:ext cx="3405949" cy="3670965"/>
           </a:xfrm>
           <a:prstGeom prst="rect">
             <a:avLst/>
@@ -5763,7 +7033,7 @@
     </p:spTree>
     <p:extLst>
       <p:ext uri="{BB962C8B-B14F-4D97-AF65-F5344CB8AC3E}">
-        <p14:creationId xmlns:p14="http://schemas.microsoft.com/office/powerpoint/2010/main" val="2091111409"/>
+        <p14:creationId xmlns:p14="http://schemas.microsoft.com/office/powerpoint/2010/main" val="694746079"/>
       </p:ext>
     </p:extLst>
   </p:cSld>
@@ -5819,40 +7089,16 @@
           <a:p>
             <a:r>
               <a:rPr lang="de-DE" dirty="0" smtClean="0"/>
-              <a:t>Ergebnisse &lt; 60%</a:t>
+              <a:t>Input CSVs aufbereiten</a:t>
             </a:r>
             <a:endParaRPr lang="de-DE" dirty="0"/>
           </a:p>
         </p:txBody>
       </p:sp>
-      <p:pic>
-        <p:nvPicPr>
-          <p:cNvPr id="4" name="Bild 3"/>
-          <p:cNvPicPr>
-            <a:picLocks noChangeAspect="1"/>
-          </p:cNvPicPr>
-          <p:nvPr/>
-        </p:nvPicPr>
-        <p:blipFill>
-          <a:blip r:embed="rId3"/>
-          <a:stretch>
-            <a:fillRect/>
-          </a:stretch>
-        </p:blipFill>
-        <p:spPr>
-          <a:xfrm>
-            <a:off x="826718" y="1425771"/>
-            <a:ext cx="7490564" cy="5182029"/>
-          </a:xfrm>
-          <a:prstGeom prst="rect">
-            <a:avLst/>
-          </a:prstGeom>
-        </p:spPr>
-      </p:pic>
     </p:spTree>
     <p:extLst>
       <p:ext uri="{BB962C8B-B14F-4D97-AF65-F5344CB8AC3E}">
-        <p14:creationId xmlns:p14="http://schemas.microsoft.com/office/powerpoint/2010/main" val="1861579803"/>
+        <p14:creationId xmlns:p14="http://schemas.microsoft.com/office/powerpoint/2010/main" val="417411411"/>
       </p:ext>
     </p:extLst>
   </p:cSld>
@@ -5908,15 +7154,48 @@
           <a:p>
             <a:r>
               <a:rPr lang="de-DE" dirty="0" smtClean="0"/>
-              <a:t>Ergebnisse &lt; 60%</a:t>
+              <a:t>Input CSVs aufbereiten</a:t>
             </a:r>
             <a:endParaRPr lang="de-DE" dirty="0"/>
+          </a:p>
+        </p:txBody>
+      </p:sp>
+      <p:sp>
+        <p:nvSpPr>
+          <p:cNvPr id="3" name="Textfeld 2"/>
+          <p:cNvSpPr txBox="1"/>
+          <p:nvPr/>
+        </p:nvSpPr>
+        <p:spPr>
+          <a:xfrm>
+            <a:off x="628650" y="1161822"/>
+            <a:ext cx="4870276" cy="369332"/>
+          </a:xfrm>
+          <a:prstGeom prst="rect">
+            <a:avLst/>
+          </a:prstGeom>
+          <a:noFill/>
+        </p:spPr>
+        <p:txBody>
+          <a:bodyPr wrap="square" rtlCol="0">
+            <a:spAutoFit/>
+          </a:bodyPr>
+          <a:lstStyle/>
+          <a:p>
+            <a:pPr marL="285750" indent="-285750">
+              <a:buFont typeface="Wingdings" charset="2"/>
+              <a:buChar char="à"/>
+            </a:pPr>
+            <a:r>
+              <a:rPr lang="de-DE" dirty="0" smtClean="0"/>
+              <a:t>Durchführen von mehreren 60s Runs</a:t>
+            </a:r>
           </a:p>
         </p:txBody>
       </p:sp>
       <p:pic>
         <p:nvPicPr>
-          <p:cNvPr id="3" name="Bild 2"/>
+          <p:cNvPr id="5" name="Bild 4"/>
           <p:cNvPicPr>
             <a:picLocks noChangeAspect="1"/>
           </p:cNvPicPr>
@@ -5930,42 +7209,48 @@
         </p:blipFill>
         <p:spPr>
           <a:xfrm>
-            <a:off x="964504" y="1325563"/>
-            <a:ext cx="7214992" cy="5013808"/>
+            <a:off x="1217417" y="1510678"/>
+            <a:ext cx="2197100" cy="1689100"/>
           </a:xfrm>
           <a:prstGeom prst="rect">
             <a:avLst/>
           </a:prstGeom>
         </p:spPr>
       </p:pic>
-      <p:pic>
-        <p:nvPicPr>
-          <p:cNvPr id="5" name="Bild 4"/>
-          <p:cNvPicPr>
-            <a:picLocks noChangeAspect="1"/>
-          </p:cNvPicPr>
+      <p:sp>
+        <p:nvSpPr>
+          <p:cNvPr id="7" name="Textfeld 6"/>
+          <p:cNvSpPr txBox="1"/>
           <p:nvPr/>
-        </p:nvPicPr>
-        <p:blipFill>
-          <a:blip r:embed="rId4"/>
-          <a:stretch>
-            <a:fillRect/>
-          </a:stretch>
-        </p:blipFill>
-        <p:spPr>
-          <a:xfrm>
-            <a:off x="811843" y="1325563"/>
-            <a:ext cx="7505439" cy="5289919"/>
+        </p:nvSpPr>
+        <p:spPr>
+          <a:xfrm>
+            <a:off x="1217417" y="3199777"/>
+            <a:ext cx="1585178" cy="369332"/>
           </a:xfrm>
           <a:prstGeom prst="rect">
             <a:avLst/>
           </a:prstGeom>
-        </p:spPr>
-      </p:pic>
+          <a:noFill/>
+        </p:spPr>
+        <p:txBody>
+          <a:bodyPr wrap="none" rtlCol="0">
+            <a:spAutoFit/>
+          </a:bodyPr>
+          <a:lstStyle/>
+          <a:p>
+            <a:r>
+              <a:rPr lang="de-DE" dirty="0" smtClean="0"/>
+              <a:t>ca. 2600 Zeilen</a:t>
+            </a:r>
+            <a:endParaRPr lang="de-DE" dirty="0"/>
+          </a:p>
+        </p:txBody>
+      </p:sp>
     </p:spTree>
     <p:extLst>
       <p:ext uri="{BB962C8B-B14F-4D97-AF65-F5344CB8AC3E}">
-        <p14:creationId xmlns:p14="http://schemas.microsoft.com/office/powerpoint/2010/main" val="1744976802"/>
+        <p14:creationId xmlns:p14="http://schemas.microsoft.com/office/powerpoint/2010/main" val="1513116899"/>
       </p:ext>
     </p:extLst>
   </p:cSld>
